--- a/Poster_Gruppe6.pptx
+++ b/Poster_Gruppe6.pptx
@@ -6222,6 +6222,214 @@
       </p:grpSpPr>
       <p:sp>
         <p:nvSpPr>
+          <p:cNvPr id="461" name="Rechteck 460">
+            <a:extLst>
+              <a:ext uri="{FF2B5EF4-FFF2-40B4-BE49-F238E27FC236}">
+                <a16:creationId xmlns:a16="http://schemas.microsoft.com/office/drawing/2014/main" id="{904868D6-75E5-4434-91A1-479FC2347D5B}"/>
+              </a:ext>
+            </a:extLst>
+          </p:cNvPr>
+          <p:cNvSpPr/>
+          <p:nvPr/>
+        </p:nvSpPr>
+        <p:spPr>
+          <a:xfrm>
+            <a:off x="-10645" y="17938614"/>
+            <a:ext cx="21383625" cy="12308321"/>
+          </a:xfrm>
+          <a:prstGeom prst="rect">
+            <a:avLst/>
+          </a:prstGeom>
+          <a:solidFill>
+            <a:schemeClr val="bg1">
+              <a:lumMod val="85000"/>
+            </a:schemeClr>
+          </a:solidFill>
+          <a:ln>
+            <a:noFill/>
+          </a:ln>
+        </p:spPr>
+        <p:style>
+          <a:lnRef idx="2">
+            <a:schemeClr val="accent1">
+              <a:shade val="50000"/>
+            </a:schemeClr>
+          </a:lnRef>
+          <a:fillRef idx="1">
+            <a:schemeClr val="accent1"/>
+          </a:fillRef>
+          <a:effectRef idx="0">
+            <a:schemeClr val="accent1"/>
+          </a:effectRef>
+          <a:fontRef idx="minor">
+            <a:schemeClr val="lt1"/>
+          </a:fontRef>
+        </p:style>
+        <p:txBody>
+          <a:bodyPr rtlCol="0" anchor="ctr"/>
+          <a:lstStyle/>
+          <a:p>
+            <a:pPr algn="ctr"/>
+            <a:endParaRPr lang="de-DE" dirty="0">
+              <a:solidFill>
+                <a:schemeClr val="tx1"/>
+              </a:solidFill>
+            </a:endParaRPr>
+          </a:p>
+        </p:txBody>
+      </p:sp>
+      <p:grpSp>
+        <p:nvGrpSpPr>
+          <p:cNvPr id="3" name="Gruppieren 2"/>
+          <p:cNvGrpSpPr/>
+          <p:nvPr/>
+        </p:nvGrpSpPr>
+        <p:grpSpPr>
+          <a:xfrm>
+            <a:off x="-26398" y="0"/>
+            <a:ext cx="15818911" cy="3422499"/>
+            <a:chOff x="-26398" y="0"/>
+            <a:chExt cx="15818911" cy="3422499"/>
+          </a:xfrm>
+        </p:grpSpPr>
+        <p:sp>
+          <p:nvSpPr>
+            <p:cNvPr id="466" name="Rechteck 465">
+              <a:extLst>
+                <a:ext uri="{FF2B5EF4-FFF2-40B4-BE49-F238E27FC236}">
+                  <a16:creationId xmlns:a16="http://schemas.microsoft.com/office/drawing/2014/main" id="{48AA8008-B34A-46DE-8638-8A2A89AD48AE}"/>
+                </a:ext>
+              </a:extLst>
+            </p:cNvPr>
+            <p:cNvSpPr/>
+            <p:nvPr/>
+          </p:nvSpPr>
+          <p:spPr>
+            <a:xfrm>
+              <a:off x="-26398" y="0"/>
+              <a:ext cx="14709896" cy="3422499"/>
+            </a:xfrm>
+            <a:prstGeom prst="rect">
+              <a:avLst/>
+            </a:prstGeom>
+            <a:solidFill>
+              <a:schemeClr val="bg1">
+                <a:lumMod val="85000"/>
+              </a:schemeClr>
+            </a:solidFill>
+            <a:ln>
+              <a:noFill/>
+            </a:ln>
+          </p:spPr>
+          <p:style>
+            <a:lnRef idx="2">
+              <a:schemeClr val="accent1">
+                <a:shade val="50000"/>
+              </a:schemeClr>
+            </a:lnRef>
+            <a:fillRef idx="1">
+              <a:schemeClr val="accent1"/>
+            </a:fillRef>
+            <a:effectRef idx="0">
+              <a:schemeClr val="accent1"/>
+            </a:effectRef>
+            <a:fontRef idx="minor">
+              <a:schemeClr val="lt1"/>
+            </a:fontRef>
+          </p:style>
+          <p:txBody>
+            <a:bodyPr rtlCol="0" anchor="ctr"/>
+            <a:lstStyle/>
+            <a:p>
+              <a:pPr algn="ctr"/>
+              <a:endParaRPr lang="de-DE" dirty="0"/>
+            </a:p>
+          </p:txBody>
+        </p:sp>
+        <p:sp>
+          <p:nvSpPr>
+            <p:cNvPr id="12" name="Textfeld 11">
+              <a:extLst>
+                <a:ext uri="{FF2B5EF4-FFF2-40B4-BE49-F238E27FC236}">
+                  <a16:creationId xmlns:a16="http://schemas.microsoft.com/office/drawing/2014/main" id="{9DD95460-AF4B-446A-BFB9-F4393B9D911B}"/>
+                </a:ext>
+              </a:extLst>
+            </p:cNvPr>
+            <p:cNvSpPr txBox="1"/>
+            <p:nvPr/>
+          </p:nvSpPr>
+          <p:spPr>
+            <a:xfrm>
+              <a:off x="528038" y="40785"/>
+              <a:ext cx="15264475" cy="3231654"/>
+            </a:xfrm>
+            <a:prstGeom prst="rect">
+              <a:avLst/>
+            </a:prstGeom>
+            <a:noFill/>
+          </p:spPr>
+          <p:txBody>
+            <a:bodyPr wrap="square" rtlCol="0">
+              <a:spAutoFit/>
+            </a:bodyPr>
+            <a:lstStyle/>
+            <a:p>
+              <a:r>
+                <a:rPr lang="de-DE" sz="8000" dirty="0"/>
+                <a:t>Modellierung eines </a:t>
+              </a:r>
+              <a:endParaRPr lang="de-DE" sz="8000" dirty="0" smtClean="0"/>
+            </a:p>
+            <a:p>
+              <a:r>
+                <a:rPr lang="de-DE" sz="8000" dirty="0" smtClean="0"/>
+                <a:t>Flaschenzugsystems </a:t>
+              </a:r>
+              <a:r>
+                <a:rPr lang="de-DE" sz="8000" dirty="0"/>
+                <a:t>in </a:t>
+              </a:r>
+              <a:r>
+                <a:rPr lang="de-DE" sz="8000" dirty="0" err="1"/>
+                <a:t>Modelica</a:t>
+              </a:r>
+              <a:endParaRPr lang="de-DE" sz="8000" dirty="0"/>
+            </a:p>
+            <a:p>
+              <a:endParaRPr lang="de-DE" sz="1200" dirty="0"/>
+            </a:p>
+            <a:p>
+              <a:r>
+                <a:rPr lang="de-DE" sz="3200" dirty="0"/>
+                <a:t>Gruppe 6 – Alexander Clauß, Maximilian </a:t>
+              </a:r>
+              <a:r>
+                <a:rPr lang="de-DE" sz="3200" dirty="0" err="1"/>
+                <a:t>Kilthau</a:t>
+              </a:r>
+              <a:r>
+                <a:rPr lang="de-DE" sz="3200" dirty="0"/>
+                <a:t>, Christian </a:t>
+              </a:r>
+              <a:r>
+                <a:rPr lang="de-DE" sz="3200" dirty="0" err="1" smtClean="0"/>
+                <a:t>Frieß</a:t>
+              </a:r>
+              <a:r>
+                <a:rPr lang="de-DE" sz="3200" dirty="0"/>
+                <a:t>, Hüseyin </a:t>
+              </a:r>
+              <a:r>
+                <a:rPr lang="de-DE" sz="3200" dirty="0" err="1"/>
+                <a:t>Bulduk</a:t>
+              </a:r>
+              <a:endParaRPr lang="de-DE" sz="3200" dirty="0"/>
+            </a:p>
+          </p:txBody>
+        </p:sp>
+      </p:grpSp>
+      <p:sp>
+        <p:nvSpPr>
           <p:cNvPr id="232" name="Textfeld 231">
             <a:extLst>
               <a:ext uri="{FF2B5EF4-FFF2-40B4-BE49-F238E27FC236}">
@@ -6593,222 +6801,6 @@
       </p:pic>
       <p:sp>
         <p:nvSpPr>
-          <p:cNvPr id="461" name="Rechteck 460">
-            <a:extLst>
-              <a:ext uri="{FF2B5EF4-FFF2-40B4-BE49-F238E27FC236}">
-                <a16:creationId xmlns:a16="http://schemas.microsoft.com/office/drawing/2014/main" id="{904868D6-75E5-4434-91A1-479FC2347D5B}"/>
-              </a:ext>
-            </a:extLst>
-          </p:cNvPr>
-          <p:cNvSpPr/>
-          <p:nvPr/>
-        </p:nvSpPr>
-        <p:spPr>
-          <a:xfrm>
-            <a:off x="-10645" y="17720396"/>
-            <a:ext cx="21383625" cy="12526540"/>
-          </a:xfrm>
-          <a:prstGeom prst="rect">
-            <a:avLst/>
-          </a:prstGeom>
-          <a:solidFill>
-            <a:schemeClr val="bg1">
-              <a:lumMod val="85000"/>
-              <a:alpha val="39000"/>
-            </a:schemeClr>
-          </a:solidFill>
-          <a:ln>
-            <a:noFill/>
-          </a:ln>
-        </p:spPr>
-        <p:style>
-          <a:lnRef idx="2">
-            <a:schemeClr val="accent1">
-              <a:shade val="50000"/>
-            </a:schemeClr>
-          </a:lnRef>
-          <a:fillRef idx="1">
-            <a:schemeClr val="accent1"/>
-          </a:fillRef>
-          <a:effectRef idx="0">
-            <a:schemeClr val="accent1"/>
-          </a:effectRef>
-          <a:fontRef idx="minor">
-            <a:schemeClr val="lt1"/>
-          </a:fontRef>
-        </p:style>
-        <p:txBody>
-          <a:bodyPr rtlCol="0" anchor="ctr"/>
-          <a:lstStyle/>
-          <a:p>
-            <a:pPr algn="ctr"/>
-            <a:endParaRPr lang="de-DE" dirty="0">
-              <a:solidFill>
-                <a:schemeClr val="tx1"/>
-              </a:solidFill>
-            </a:endParaRPr>
-          </a:p>
-        </p:txBody>
-      </p:sp>
-      <p:grpSp>
-        <p:nvGrpSpPr>
-          <p:cNvPr id="2" name="Gruppieren 1">
-            <a:extLst>
-              <a:ext uri="{FF2B5EF4-FFF2-40B4-BE49-F238E27FC236}">
-                <a16:creationId xmlns:a16="http://schemas.microsoft.com/office/drawing/2014/main" id="{4A8F2F57-E9AF-4E35-AB4D-FD76F9845990}"/>
-              </a:ext>
-            </a:extLst>
-          </p:cNvPr>
-          <p:cNvGrpSpPr/>
-          <p:nvPr/>
-        </p:nvGrpSpPr>
-        <p:grpSpPr>
-          <a:xfrm>
-            <a:off x="1" y="-2151"/>
-            <a:ext cx="15818911" cy="3422499"/>
-            <a:chOff x="30251" y="1993565"/>
-            <a:chExt cx="15818911" cy="3422499"/>
-          </a:xfrm>
-        </p:grpSpPr>
-        <p:sp>
-          <p:nvSpPr>
-            <p:cNvPr id="466" name="Rechteck 465">
-              <a:extLst>
-                <a:ext uri="{FF2B5EF4-FFF2-40B4-BE49-F238E27FC236}">
-                  <a16:creationId xmlns:a16="http://schemas.microsoft.com/office/drawing/2014/main" id="{48AA8008-B34A-46DE-8638-8A2A89AD48AE}"/>
-                </a:ext>
-              </a:extLst>
-            </p:cNvPr>
-            <p:cNvSpPr/>
-            <p:nvPr/>
-          </p:nvSpPr>
-          <p:spPr>
-            <a:xfrm>
-              <a:off x="30251" y="1993565"/>
-              <a:ext cx="14709896" cy="3422499"/>
-            </a:xfrm>
-            <a:prstGeom prst="rect">
-              <a:avLst/>
-            </a:prstGeom>
-            <a:solidFill>
-              <a:schemeClr val="bg1">
-                <a:lumMod val="85000"/>
-                <a:alpha val="39000"/>
-              </a:schemeClr>
-            </a:solidFill>
-            <a:ln>
-              <a:noFill/>
-            </a:ln>
-          </p:spPr>
-          <p:style>
-            <a:lnRef idx="2">
-              <a:schemeClr val="accent1">
-                <a:shade val="50000"/>
-              </a:schemeClr>
-            </a:lnRef>
-            <a:fillRef idx="1">
-              <a:schemeClr val="accent1"/>
-            </a:fillRef>
-            <a:effectRef idx="0">
-              <a:schemeClr val="accent1"/>
-            </a:effectRef>
-            <a:fontRef idx="minor">
-              <a:schemeClr val="lt1"/>
-            </a:fontRef>
-          </p:style>
-          <p:txBody>
-            <a:bodyPr rtlCol="0" anchor="ctr"/>
-            <a:lstStyle/>
-            <a:p>
-              <a:pPr algn="ctr"/>
-              <a:endParaRPr lang="de-DE" dirty="0"/>
-            </a:p>
-          </p:txBody>
-        </p:sp>
-        <p:sp>
-          <p:nvSpPr>
-            <p:cNvPr id="12" name="Textfeld 11">
-              <a:extLst>
-                <a:ext uri="{FF2B5EF4-FFF2-40B4-BE49-F238E27FC236}">
-                  <a16:creationId xmlns:a16="http://schemas.microsoft.com/office/drawing/2014/main" id="{9DD95460-AF4B-446A-BFB9-F4393B9D911B}"/>
-                </a:ext>
-              </a:extLst>
-            </p:cNvPr>
-            <p:cNvSpPr txBox="1"/>
-            <p:nvPr/>
-          </p:nvSpPr>
-          <p:spPr>
-            <a:xfrm>
-              <a:off x="584687" y="2034350"/>
-              <a:ext cx="15264475" cy="3231654"/>
-            </a:xfrm>
-            <a:prstGeom prst="rect">
-              <a:avLst/>
-            </a:prstGeom>
-            <a:noFill/>
-          </p:spPr>
-          <p:txBody>
-            <a:bodyPr wrap="square" rtlCol="0">
-              <a:spAutoFit/>
-            </a:bodyPr>
-            <a:lstStyle/>
-            <a:p>
-              <a:r>
-                <a:rPr lang="de-DE" sz="8000" dirty="0"/>
-                <a:t>Modellierung eines </a:t>
-              </a:r>
-              <a:endParaRPr lang="de-DE" sz="8000" dirty="0" smtClean="0"/>
-            </a:p>
-            <a:p>
-              <a:r>
-                <a:rPr lang="de-DE" sz="8000" dirty="0" smtClean="0"/>
-                <a:t>Flaschenzugsystems </a:t>
-              </a:r>
-              <a:r>
-                <a:rPr lang="de-DE" sz="8000" dirty="0"/>
-                <a:t>in </a:t>
-              </a:r>
-              <a:r>
-                <a:rPr lang="de-DE" sz="8000" dirty="0" err="1"/>
-                <a:t>Modelica</a:t>
-              </a:r>
-              <a:endParaRPr lang="de-DE" sz="8000" dirty="0"/>
-            </a:p>
-            <a:p>
-              <a:endParaRPr lang="de-DE" sz="1200" dirty="0"/>
-            </a:p>
-            <a:p>
-              <a:r>
-                <a:rPr lang="de-DE" sz="3200" dirty="0"/>
-                <a:t>Gruppe 6 – Alexander Clauß, Maximilian </a:t>
-              </a:r>
-              <a:r>
-                <a:rPr lang="de-DE" sz="3200" dirty="0" err="1"/>
-                <a:t>Kilthau</a:t>
-              </a:r>
-              <a:r>
-                <a:rPr lang="de-DE" sz="3200" dirty="0"/>
-                <a:t>, Christian </a:t>
-              </a:r>
-              <a:r>
-                <a:rPr lang="de-DE" sz="3200" dirty="0" err="1" smtClean="0"/>
-                <a:t>Frieß</a:t>
-              </a:r>
-              <a:r>
-                <a:rPr lang="de-DE" sz="3200" dirty="0"/>
-                <a:t>, Hüseyin </a:t>
-              </a:r>
-              <a:r>
-                <a:rPr lang="de-DE" sz="3200" dirty="0" err="1"/>
-                <a:t>Bulduk</a:t>
-              </a:r>
-              <a:endParaRPr lang="de-DE" sz="3200" dirty="0"/>
-            </a:p>
-          </p:txBody>
-        </p:sp>
-      </p:grpSp>
-      <p:sp>
-        <p:nvSpPr>
           <p:cNvPr id="34" name="Textfeld 33">
             <a:extLst>
               <a:ext uri="{FF2B5EF4-FFF2-40B4-BE49-F238E27FC236}">
@@ -6821,8 +6813,8 @@
         </p:nvSpPr>
         <p:spPr>
           <a:xfrm>
-            <a:off x="386380" y="17831347"/>
-            <a:ext cx="20394689" cy="646331"/>
+            <a:off x="381207" y="18078929"/>
+            <a:ext cx="20394689" cy="769441"/>
           </a:xfrm>
           <a:prstGeom prst="rect">
             <a:avLst/>
@@ -6837,14 +6829,14 @@
           <a:p>
             <a:pPr algn="ctr"/>
             <a:r>
-              <a:rPr lang="de-DE" sz="3600" b="1" dirty="0"/>
+              <a:rPr lang="de-DE" sz="4400" b="1" dirty="0"/>
               <a:t>Aufbau und Eigenschaften des </a:t>
             </a:r>
             <a:r>
-              <a:rPr lang="de-DE" sz="3600" b="1" dirty="0" smtClean="0"/>
+              <a:rPr lang="de-DE" sz="4400" b="1" dirty="0" smtClean="0"/>
               <a:t>Systems</a:t>
             </a:r>
-            <a:endParaRPr lang="de-DE" sz="3600" b="1" dirty="0"/>
+            <a:endParaRPr lang="de-DE" sz="4400" b="1" dirty="0"/>
           </a:p>
         </p:txBody>
       </p:sp>
@@ -6862,8 +6854,8 @@
         </p:nvSpPr>
         <p:spPr>
           <a:xfrm>
-            <a:off x="513242" y="4585546"/>
-            <a:ext cx="7932410" cy="3800483"/>
+            <a:off x="554436" y="4585546"/>
+            <a:ext cx="7891215" cy="3800483"/>
           </a:xfrm>
           <a:prstGeom prst="snip2DiagRect">
             <a:avLst/>
@@ -6873,7 +6865,7 @@
               <a:lumMod val="85000"/>
             </a:schemeClr>
           </a:solidFill>
-          <a:ln>
+          <a:ln w="28575">
             <a:solidFill>
               <a:schemeClr val="bg1">
                 <a:lumMod val="50000"/>
@@ -7126,8 +7118,8 @@
         </p:nvSpPr>
         <p:spPr>
           <a:xfrm>
-            <a:off x="733814" y="15184436"/>
-            <a:ext cx="6264011" cy="2203847"/>
+            <a:off x="554438" y="15184436"/>
+            <a:ext cx="6443388" cy="2203847"/>
           </a:xfrm>
           <a:prstGeom prst="snip2DiagRect">
             <a:avLst/>
@@ -7135,7 +7127,7 @@
           <a:solidFill>
             <a:srgbClr val="FED54C"/>
           </a:solidFill>
-          <a:ln>
+          <a:ln w="28575">
             <a:solidFill>
               <a:schemeClr val="bg1">
                 <a:lumMod val="50000"/>
@@ -7203,8 +7195,8 @@
         </p:nvSpPr>
         <p:spPr>
           <a:xfrm>
-            <a:off x="13714801" y="13744038"/>
-            <a:ext cx="6664173" cy="3636347"/>
+            <a:off x="13696227" y="13736516"/>
+            <a:ext cx="7079669" cy="3636347"/>
           </a:xfrm>
           <a:prstGeom prst="snip2DiagRect">
             <a:avLst/>
@@ -7212,7 +7204,7 @@
           <a:solidFill>
             <a:srgbClr val="FED54C"/>
           </a:solidFill>
-          <a:ln>
+          <a:ln w="28575">
             <a:solidFill>
               <a:schemeClr val="bg1">
                 <a:lumMod val="50000"/>
@@ -7261,7 +7253,23 @@
             </a:pPr>
             <a:r>
               <a:rPr lang="de-DE" dirty="0"/>
-              <a:t>An jede Rolle kann links sowie rechts weitere Rollen, der Antrieb oder die Masse gehängt werden  </a:t>
+              <a:t>An jede Rolle </a:t>
+            </a:r>
+            <a:r>
+              <a:rPr lang="de-DE" dirty="0" smtClean="0"/>
+              <a:t>können </a:t>
+            </a:r>
+            <a:r>
+              <a:rPr lang="de-DE" dirty="0"/>
+              <a:t>links sowie rechts weitere Rollen, der Antrieb oder die Masse </a:t>
+            </a:r>
+            <a:r>
+              <a:rPr lang="de-DE" dirty="0" smtClean="0"/>
+              <a:t>angehängt </a:t>
+            </a:r>
+            <a:r>
+              <a:rPr lang="de-DE" dirty="0"/>
+              <a:t>werden  </a:t>
             </a:r>
           </a:p>
           <a:p>
@@ -7290,8 +7298,8 @@
         </p:nvSpPr>
         <p:spPr>
           <a:xfrm>
-            <a:off x="796250" y="12971155"/>
-            <a:ext cx="5563482" cy="1873270"/>
+            <a:off x="554437" y="12971155"/>
+            <a:ext cx="6443389" cy="1873270"/>
           </a:xfrm>
           <a:prstGeom prst="snip2DiagRect">
             <a:avLst/>
@@ -7299,7 +7307,7 @@
           <a:solidFill>
             <a:srgbClr val="FED54C"/>
           </a:solidFill>
-          <a:ln>
+          <a:ln w="28575">
             <a:solidFill>
               <a:schemeClr val="bg1">
                 <a:lumMod val="50000"/>
@@ -7417,8 +7425,8 @@
         </p:nvSpPr>
         <p:spPr>
           <a:xfrm>
-            <a:off x="13471408" y="3615070"/>
-            <a:ext cx="7623640" cy="2203847"/>
+            <a:off x="13471409" y="3615070"/>
+            <a:ext cx="7304488" cy="2203847"/>
           </a:xfrm>
           <a:prstGeom prst="snip2DiagRect">
             <a:avLst/>
@@ -7426,7 +7434,7 @@
           <a:solidFill>
             <a:srgbClr val="FED54C"/>
           </a:solidFill>
-          <a:ln>
+          <a:ln w="28575">
             <a:solidFill>
               <a:schemeClr val="bg1">
                 <a:lumMod val="50000"/>
@@ -7465,7 +7473,27 @@
             </a:pPr>
             <a:r>
               <a:rPr lang="de-DE" dirty="0"/>
-              <a:t>Drehmoment und Drehzahl des Motor mithilfe des Radius‘ und der maximalen Seillänge in eine Geschwindigkeit </a:t>
+              <a:t>Drehmoment und Drehzahl des </a:t>
+            </a:r>
+            <a:r>
+              <a:rPr lang="de-DE" dirty="0" smtClean="0"/>
+              <a:t>Motors </a:t>
+            </a:r>
+            <a:r>
+              <a:rPr lang="de-DE" dirty="0" smtClean="0"/>
+              <a:t>wird </a:t>
+            </a:r>
+            <a:r>
+              <a:rPr lang="de-DE" dirty="0"/>
+              <a:t>mithilfe des </a:t>
+            </a:r>
+            <a:r>
+              <a:rPr lang="de-DE" dirty="0" smtClean="0"/>
+              <a:t>Radius </a:t>
+            </a:r>
+            <a:r>
+              <a:rPr lang="de-DE" dirty="0"/>
+              <a:t>und der maximalen Seillänge in eine Geschwindigkeit </a:t>
             </a:r>
             <a:r>
               <a:rPr lang="de-DE" dirty="0" smtClean="0"/>
@@ -7534,8 +7562,8 @@
         </p:nvSpPr>
         <p:spPr>
           <a:xfrm>
-            <a:off x="16032267" y="5998250"/>
-            <a:ext cx="5005094" cy="3542400"/>
+            <a:off x="16032267" y="5929910"/>
+            <a:ext cx="4743629" cy="3820001"/>
           </a:xfrm>
           <a:prstGeom prst="snip2DiagRect">
             <a:avLst/>
@@ -7543,7 +7571,7 @@
           <a:solidFill>
             <a:srgbClr val="FED54C"/>
           </a:solidFill>
-          <a:ln>
+          <a:ln w="28575">
             <a:solidFill>
               <a:schemeClr val="bg1">
                 <a:lumMod val="50000"/>
@@ -7708,8 +7736,8 @@
         </p:nvSpPr>
         <p:spPr>
           <a:xfrm>
-            <a:off x="12814093" y="8195200"/>
-            <a:ext cx="1795554" cy="2811618"/>
+            <a:off x="11635039" y="7967091"/>
+            <a:ext cx="2974608" cy="4497177"/>
           </a:xfrm>
           <a:prstGeom prst="rect">
             <a:avLst/>
@@ -7769,7 +7797,7 @@
           </a:xfrm>
         </p:grpSpPr>
         <mc:AlternateContent xmlns:mc="http://schemas.openxmlformats.org/markup-compatibility/2006">
-          <mc:Choice xmlns:p14="http://schemas.microsoft.com/office/powerpoint/2010/main" xmlns:aink="http://schemas.microsoft.com/office/drawing/2016/ink" xmlns="" Requires="p14 aink">
+          <mc:Choice xmlns="" xmlns:aink="http://schemas.microsoft.com/office/drawing/2016/ink" xmlns:p14="http://schemas.microsoft.com/office/powerpoint/2010/main" Requires="p14 aink">
             <p:contentPart p14:bwMode="auto" r:id="rId4">
               <p14:nvContentPartPr>
                 <p14:cNvPr id="156" name="Freihand 155">
@@ -9034,7 +9062,7 @@
             </a:xfrm>
           </p:grpSpPr>
           <mc:AlternateContent xmlns:mc="http://schemas.openxmlformats.org/markup-compatibility/2006">
-            <mc:Choice xmlns:p14="http://schemas.microsoft.com/office/powerpoint/2010/main" xmlns:aink="http://schemas.microsoft.com/office/drawing/2016/ink" xmlns="" Requires="p14 aink">
+            <mc:Choice xmlns="" xmlns:aink="http://schemas.microsoft.com/office/drawing/2016/ink" xmlns:p14="http://schemas.microsoft.com/office/powerpoint/2010/main" Requires="p14 aink">
               <p:contentPart p14:bwMode="auto" r:id="rId57">
                 <p14:nvContentPartPr>
                   <p14:cNvPr id="197" name="Freihand 196">
@@ -9085,7 +9113,7 @@
             </mc:Fallback>
           </mc:AlternateContent>
           <mc:AlternateContent xmlns:mc="http://schemas.openxmlformats.org/markup-compatibility/2006">
-            <mc:Choice xmlns:p14="http://schemas.microsoft.com/office/powerpoint/2010/main" xmlns:aink="http://schemas.microsoft.com/office/drawing/2016/ink" xmlns="" Requires="p14 aink">
+            <mc:Choice xmlns="" xmlns:aink="http://schemas.microsoft.com/office/drawing/2016/ink" xmlns:p14="http://schemas.microsoft.com/office/powerpoint/2010/main" Requires="p14 aink">
               <p:contentPart p14:bwMode="auto" r:id="rId59">
                 <p14:nvContentPartPr>
                   <p14:cNvPr id="198" name="Freihand 197">
@@ -9136,7 +9164,7 @@
             </mc:Fallback>
           </mc:AlternateContent>
           <mc:AlternateContent xmlns:mc="http://schemas.openxmlformats.org/markup-compatibility/2006">
-            <mc:Choice xmlns:p14="http://schemas.microsoft.com/office/powerpoint/2010/main" xmlns:aink="http://schemas.microsoft.com/office/drawing/2016/ink" xmlns="" Requires="p14 aink">
+            <mc:Choice xmlns="" xmlns:aink="http://schemas.microsoft.com/office/drawing/2016/ink" xmlns:p14="http://schemas.microsoft.com/office/powerpoint/2010/main" Requires="p14 aink">
               <p:contentPart p14:bwMode="auto" r:id="rId61">
                 <p14:nvContentPartPr>
                   <p14:cNvPr id="199" name="Freihand 198">
@@ -9187,7 +9215,7 @@
             </mc:Fallback>
           </mc:AlternateContent>
           <mc:AlternateContent xmlns:mc="http://schemas.openxmlformats.org/markup-compatibility/2006">
-            <mc:Choice xmlns:p14="http://schemas.microsoft.com/office/powerpoint/2010/main" xmlns:aink="http://schemas.microsoft.com/office/drawing/2016/ink" xmlns="" Requires="p14 aink">
+            <mc:Choice xmlns="" xmlns:aink="http://schemas.microsoft.com/office/drawing/2016/ink" xmlns:p14="http://schemas.microsoft.com/office/powerpoint/2010/main" Requires="p14 aink">
               <p:contentPart p14:bwMode="auto" r:id="rId63">
                 <p14:nvContentPartPr>
                   <p14:cNvPr id="200" name="Freihand 199">
@@ -9238,7 +9266,7 @@
             </mc:Fallback>
           </mc:AlternateContent>
           <mc:AlternateContent xmlns:mc="http://schemas.openxmlformats.org/markup-compatibility/2006">
-            <mc:Choice xmlns:p14="http://schemas.microsoft.com/office/powerpoint/2010/main" xmlns:aink="http://schemas.microsoft.com/office/drawing/2016/ink" xmlns="" Requires="p14 aink">
+            <mc:Choice xmlns="" xmlns:aink="http://schemas.microsoft.com/office/drawing/2016/ink" xmlns:p14="http://schemas.microsoft.com/office/powerpoint/2010/main" Requires="p14 aink">
               <p:contentPart p14:bwMode="auto" r:id="rId65">
                 <p14:nvContentPartPr>
                   <p14:cNvPr id="201" name="Freihand 200">
@@ -9289,7 +9317,7 @@
             </mc:Fallback>
           </mc:AlternateContent>
           <mc:AlternateContent xmlns:mc="http://schemas.openxmlformats.org/markup-compatibility/2006">
-            <mc:Choice xmlns:p14="http://schemas.microsoft.com/office/powerpoint/2010/main" xmlns:aink="http://schemas.microsoft.com/office/drawing/2016/ink" xmlns="" Requires="p14 aink">
+            <mc:Choice xmlns="" xmlns:aink="http://schemas.microsoft.com/office/drawing/2016/ink" xmlns:p14="http://schemas.microsoft.com/office/powerpoint/2010/main" Requires="p14 aink">
               <p:contentPart p14:bwMode="auto" r:id="rId67">
                 <p14:nvContentPartPr>
                   <p14:cNvPr id="202" name="Freihand 201">
@@ -9340,7 +9368,7 @@
             </mc:Fallback>
           </mc:AlternateContent>
           <mc:AlternateContent xmlns:mc="http://schemas.openxmlformats.org/markup-compatibility/2006">
-            <mc:Choice xmlns:p14="http://schemas.microsoft.com/office/powerpoint/2010/main" xmlns:aink="http://schemas.microsoft.com/office/drawing/2016/ink" xmlns="" Requires="p14 aink">
+            <mc:Choice xmlns="" xmlns:aink="http://schemas.microsoft.com/office/drawing/2016/ink" xmlns:p14="http://schemas.microsoft.com/office/powerpoint/2010/main" Requires="p14 aink">
               <p:contentPart p14:bwMode="auto" r:id="rId69">
                 <p14:nvContentPartPr>
                   <p14:cNvPr id="203" name="Freihand 202">
@@ -9391,7 +9419,7 @@
             </mc:Fallback>
           </mc:AlternateContent>
           <mc:AlternateContent xmlns:mc="http://schemas.openxmlformats.org/markup-compatibility/2006">
-            <mc:Choice xmlns:p14="http://schemas.microsoft.com/office/powerpoint/2010/main" xmlns:aink="http://schemas.microsoft.com/office/drawing/2016/ink" xmlns="" Requires="p14 aink">
+            <mc:Choice xmlns="" xmlns:aink="http://schemas.microsoft.com/office/drawing/2016/ink" xmlns:p14="http://schemas.microsoft.com/office/powerpoint/2010/main" Requires="p14 aink">
               <p:contentPart p14:bwMode="auto" r:id="rId71">
                 <p14:nvContentPartPr>
                   <p14:cNvPr id="204" name="Freihand 203">
@@ -9442,7 +9470,7 @@
             </mc:Fallback>
           </mc:AlternateContent>
           <mc:AlternateContent xmlns:mc="http://schemas.openxmlformats.org/markup-compatibility/2006">
-            <mc:Choice xmlns:p14="http://schemas.microsoft.com/office/powerpoint/2010/main" xmlns:aink="http://schemas.microsoft.com/office/drawing/2016/ink" xmlns="" Requires="p14 aink">
+            <mc:Choice xmlns="" xmlns:aink="http://schemas.microsoft.com/office/drawing/2016/ink" xmlns:p14="http://schemas.microsoft.com/office/powerpoint/2010/main" Requires="p14 aink">
               <p:contentPart p14:bwMode="auto" r:id="rId73">
                 <p14:nvContentPartPr>
                   <p14:cNvPr id="205" name="Freihand 204">
@@ -9493,7 +9521,7 @@
             </mc:Fallback>
           </mc:AlternateContent>
           <mc:AlternateContent xmlns:mc="http://schemas.openxmlformats.org/markup-compatibility/2006">
-            <mc:Choice xmlns:p14="http://schemas.microsoft.com/office/powerpoint/2010/main" xmlns:aink="http://schemas.microsoft.com/office/drawing/2016/ink" xmlns="" Requires="p14 aink">
+            <mc:Choice xmlns="" xmlns:aink="http://schemas.microsoft.com/office/drawing/2016/ink" xmlns:p14="http://schemas.microsoft.com/office/powerpoint/2010/main" Requires="p14 aink">
               <p:contentPart p14:bwMode="auto" r:id="rId75">
                 <p14:nvContentPartPr>
                   <p14:cNvPr id="206" name="Freihand 205">
@@ -9544,7 +9572,7 @@
             </mc:Fallback>
           </mc:AlternateContent>
           <mc:AlternateContent xmlns:mc="http://schemas.openxmlformats.org/markup-compatibility/2006">
-            <mc:Choice xmlns:p14="http://schemas.microsoft.com/office/powerpoint/2010/main" xmlns:aink="http://schemas.microsoft.com/office/drawing/2016/ink" xmlns="" Requires="p14 aink">
+            <mc:Choice xmlns="" xmlns:aink="http://schemas.microsoft.com/office/drawing/2016/ink" xmlns:p14="http://schemas.microsoft.com/office/powerpoint/2010/main" Requires="p14 aink">
               <p:contentPart p14:bwMode="auto" r:id="rId77">
                 <p14:nvContentPartPr>
                   <p14:cNvPr id="207" name="Freihand 206">
@@ -9595,7 +9623,7 @@
             </mc:Fallback>
           </mc:AlternateContent>
           <mc:AlternateContent xmlns:mc="http://schemas.openxmlformats.org/markup-compatibility/2006">
-            <mc:Choice xmlns:p14="http://schemas.microsoft.com/office/powerpoint/2010/main" xmlns:aink="http://schemas.microsoft.com/office/drawing/2016/ink" xmlns="" Requires="p14 aink">
+            <mc:Choice xmlns="" xmlns:aink="http://schemas.microsoft.com/office/drawing/2016/ink" xmlns:p14="http://schemas.microsoft.com/office/powerpoint/2010/main" Requires="p14 aink">
               <p:contentPart p14:bwMode="auto" r:id="rId79">
                 <p14:nvContentPartPr>
                   <p14:cNvPr id="208" name="Freihand 207">
@@ -9646,7 +9674,7 @@
             </mc:Fallback>
           </mc:AlternateContent>
           <mc:AlternateContent xmlns:mc="http://schemas.openxmlformats.org/markup-compatibility/2006">
-            <mc:Choice xmlns:p14="http://schemas.microsoft.com/office/powerpoint/2010/main" xmlns:aink="http://schemas.microsoft.com/office/drawing/2016/ink" xmlns="" Requires="p14 aink">
+            <mc:Choice xmlns="" xmlns:aink="http://schemas.microsoft.com/office/drawing/2016/ink" xmlns:p14="http://schemas.microsoft.com/office/powerpoint/2010/main" Requires="p14 aink">
               <p:contentPart p14:bwMode="auto" r:id="rId81">
                 <p14:nvContentPartPr>
                   <p14:cNvPr id="209" name="Freihand 208">
@@ -9697,7 +9725,7 @@
             </mc:Fallback>
           </mc:AlternateContent>
           <mc:AlternateContent xmlns:mc="http://schemas.openxmlformats.org/markup-compatibility/2006">
-            <mc:Choice xmlns:p14="http://schemas.microsoft.com/office/powerpoint/2010/main" xmlns:aink="http://schemas.microsoft.com/office/drawing/2016/ink" xmlns="" Requires="p14 aink">
+            <mc:Choice xmlns="" xmlns:aink="http://schemas.microsoft.com/office/drawing/2016/ink" xmlns:p14="http://schemas.microsoft.com/office/powerpoint/2010/main" Requires="p14 aink">
               <p:contentPart p14:bwMode="auto" r:id="rId83">
                 <p14:nvContentPartPr>
                   <p14:cNvPr id="193" name="Freihand 192">
@@ -9748,7 +9776,7 @@
             </mc:Fallback>
           </mc:AlternateContent>
           <mc:AlternateContent xmlns:mc="http://schemas.openxmlformats.org/markup-compatibility/2006">
-            <mc:Choice xmlns:p14="http://schemas.microsoft.com/office/powerpoint/2010/main" xmlns:aink="http://schemas.microsoft.com/office/drawing/2016/ink" xmlns="" Requires="p14 aink">
+            <mc:Choice xmlns="" xmlns:aink="http://schemas.microsoft.com/office/drawing/2016/ink" xmlns:p14="http://schemas.microsoft.com/office/powerpoint/2010/main" Requires="p14 aink">
               <p:contentPart p14:bwMode="auto" r:id="rId85">
                 <p14:nvContentPartPr>
                   <p14:cNvPr id="194" name="Freihand 193">
@@ -9799,7 +9827,7 @@
             </mc:Fallback>
           </mc:AlternateContent>
           <mc:AlternateContent xmlns:mc="http://schemas.openxmlformats.org/markup-compatibility/2006">
-            <mc:Choice xmlns:p14="http://schemas.microsoft.com/office/powerpoint/2010/main" xmlns:aink="http://schemas.microsoft.com/office/drawing/2016/ink" xmlns="" Requires="p14 aink">
+            <mc:Choice xmlns="" xmlns:aink="http://schemas.microsoft.com/office/drawing/2016/ink" xmlns:p14="http://schemas.microsoft.com/office/powerpoint/2010/main" Requires="p14 aink">
               <p:contentPart p14:bwMode="auto" r:id="rId87">
                 <p14:nvContentPartPr>
                   <p14:cNvPr id="195" name="Freihand 194">
@@ -9850,7 +9878,7 @@
             </mc:Fallback>
           </mc:AlternateContent>
           <mc:AlternateContent xmlns:mc="http://schemas.openxmlformats.org/markup-compatibility/2006">
-            <mc:Choice xmlns:p14="http://schemas.microsoft.com/office/powerpoint/2010/main" xmlns:aink="http://schemas.microsoft.com/office/drawing/2016/ink" xmlns="" Requires="p14 aink">
+            <mc:Choice xmlns="" xmlns:aink="http://schemas.microsoft.com/office/drawing/2016/ink" xmlns:p14="http://schemas.microsoft.com/office/powerpoint/2010/main" Requires="p14 aink">
               <p:contentPart p14:bwMode="auto" r:id="rId89">
                 <p14:nvContentPartPr>
                   <p14:cNvPr id="234" name="Freihand 233">
@@ -9901,7 +9929,7 @@
             </mc:Fallback>
           </mc:AlternateContent>
           <mc:AlternateContent xmlns:mc="http://schemas.openxmlformats.org/markup-compatibility/2006">
-            <mc:Choice xmlns:p14="http://schemas.microsoft.com/office/powerpoint/2010/main" xmlns:aink="http://schemas.microsoft.com/office/drawing/2016/ink" xmlns="" Requires="p14 aink">
+            <mc:Choice xmlns="" xmlns:aink="http://schemas.microsoft.com/office/drawing/2016/ink" xmlns:p14="http://schemas.microsoft.com/office/powerpoint/2010/main" Requires="p14 aink">
               <p:contentPart p14:bwMode="auto" r:id="rId91">
                 <p14:nvContentPartPr>
                   <p14:cNvPr id="235" name="Freihand 234">
@@ -9952,7 +9980,7 @@
             </mc:Fallback>
           </mc:AlternateContent>
           <mc:AlternateContent xmlns:mc="http://schemas.openxmlformats.org/markup-compatibility/2006">
-            <mc:Choice xmlns:p14="http://schemas.microsoft.com/office/powerpoint/2010/main" xmlns:aink="http://schemas.microsoft.com/office/drawing/2016/ink" xmlns="" Requires="p14 aink">
+            <mc:Choice xmlns="" xmlns:aink="http://schemas.microsoft.com/office/drawing/2016/ink" xmlns:p14="http://schemas.microsoft.com/office/powerpoint/2010/main" Requires="p14 aink">
               <p:contentPart p14:bwMode="auto" r:id="rId93">
                 <p14:nvContentPartPr>
                   <p14:cNvPr id="236" name="Freihand 235">
@@ -10003,7 +10031,7 @@
             </mc:Fallback>
           </mc:AlternateContent>
           <mc:AlternateContent xmlns:mc="http://schemas.openxmlformats.org/markup-compatibility/2006">
-            <mc:Choice xmlns:p14="http://schemas.microsoft.com/office/powerpoint/2010/main" xmlns:aink="http://schemas.microsoft.com/office/drawing/2016/ink" xmlns="" Requires="p14 aink">
+            <mc:Choice xmlns="" xmlns:aink="http://schemas.microsoft.com/office/drawing/2016/ink" xmlns:p14="http://schemas.microsoft.com/office/powerpoint/2010/main" Requires="p14 aink">
               <p:contentPart p14:bwMode="auto" r:id="rId95">
                 <p14:nvContentPartPr>
                   <p14:cNvPr id="238" name="Freihand 237">
@@ -10054,7 +10082,7 @@
             </mc:Fallback>
           </mc:AlternateContent>
           <mc:AlternateContent xmlns:mc="http://schemas.openxmlformats.org/markup-compatibility/2006">
-            <mc:Choice xmlns:p14="http://schemas.microsoft.com/office/powerpoint/2010/main" xmlns:aink="http://schemas.microsoft.com/office/drawing/2016/ink" xmlns="" Requires="p14 aink">
+            <mc:Choice xmlns="" xmlns:aink="http://schemas.microsoft.com/office/drawing/2016/ink" xmlns:p14="http://schemas.microsoft.com/office/powerpoint/2010/main" Requires="p14 aink">
               <p:contentPart p14:bwMode="auto" r:id="rId97">
                 <p14:nvContentPartPr>
                   <p14:cNvPr id="239" name="Freihand 238">
@@ -10105,7 +10133,7 @@
             </mc:Fallback>
           </mc:AlternateContent>
           <mc:AlternateContent xmlns:mc="http://schemas.openxmlformats.org/markup-compatibility/2006">
-            <mc:Choice xmlns:p14="http://schemas.microsoft.com/office/powerpoint/2010/main" xmlns:aink="http://schemas.microsoft.com/office/drawing/2016/ink" xmlns="" Requires="p14 aink">
+            <mc:Choice xmlns="" xmlns:aink="http://schemas.microsoft.com/office/drawing/2016/ink" xmlns:p14="http://schemas.microsoft.com/office/powerpoint/2010/main" Requires="p14 aink">
               <p:contentPart p14:bwMode="auto" r:id="rId99">
                 <p14:nvContentPartPr>
                   <p14:cNvPr id="240" name="Freihand 239">
@@ -10156,7 +10184,7 @@
             </mc:Fallback>
           </mc:AlternateContent>
           <mc:AlternateContent xmlns:mc="http://schemas.openxmlformats.org/markup-compatibility/2006">
-            <mc:Choice xmlns:p14="http://schemas.microsoft.com/office/powerpoint/2010/main" xmlns:aink="http://schemas.microsoft.com/office/drawing/2016/ink" xmlns="" Requires="p14 aink">
+            <mc:Choice xmlns="" xmlns:aink="http://schemas.microsoft.com/office/drawing/2016/ink" xmlns:p14="http://schemas.microsoft.com/office/powerpoint/2010/main" Requires="p14 aink">
               <p:contentPart p14:bwMode="auto" r:id="rId101">
                 <p14:nvContentPartPr>
                   <p14:cNvPr id="242" name="Freihand 241">
@@ -10207,7 +10235,7 @@
             </mc:Fallback>
           </mc:AlternateContent>
           <mc:AlternateContent xmlns:mc="http://schemas.openxmlformats.org/markup-compatibility/2006">
-            <mc:Choice xmlns:p14="http://schemas.microsoft.com/office/powerpoint/2010/main" xmlns:aink="http://schemas.microsoft.com/office/drawing/2016/ink" xmlns="" Requires="p14 aink">
+            <mc:Choice xmlns="" xmlns:aink="http://schemas.microsoft.com/office/drawing/2016/ink" xmlns:p14="http://schemas.microsoft.com/office/powerpoint/2010/main" Requires="p14 aink">
               <p:contentPart p14:bwMode="auto" r:id="rId103">
                 <p14:nvContentPartPr>
                   <p14:cNvPr id="243" name="Freihand 242">
@@ -10258,7 +10286,7 @@
             </mc:Fallback>
           </mc:AlternateContent>
           <mc:AlternateContent xmlns:mc="http://schemas.openxmlformats.org/markup-compatibility/2006">
-            <mc:Choice xmlns:p14="http://schemas.microsoft.com/office/powerpoint/2010/main" xmlns:aink="http://schemas.microsoft.com/office/drawing/2016/ink" xmlns="" Requires="p14 aink">
+            <mc:Choice xmlns="" xmlns:aink="http://schemas.microsoft.com/office/drawing/2016/ink" xmlns:p14="http://schemas.microsoft.com/office/powerpoint/2010/main" Requires="p14 aink">
               <p:contentPart p14:bwMode="auto" r:id="rId105">
                 <p14:nvContentPartPr>
                   <p14:cNvPr id="244" name="Freihand 243">
@@ -10309,7 +10337,7 @@
             </mc:Fallback>
           </mc:AlternateContent>
           <mc:AlternateContent xmlns:mc="http://schemas.openxmlformats.org/markup-compatibility/2006">
-            <mc:Choice xmlns:p14="http://schemas.microsoft.com/office/powerpoint/2010/main" xmlns:aink="http://schemas.microsoft.com/office/drawing/2016/ink" xmlns="" Requires="p14 aink">
+            <mc:Choice xmlns="" xmlns:aink="http://schemas.microsoft.com/office/drawing/2016/ink" xmlns:p14="http://schemas.microsoft.com/office/powerpoint/2010/main" Requires="p14 aink">
               <p:contentPart p14:bwMode="auto" r:id="rId107">
                 <p14:nvContentPartPr>
                   <p14:cNvPr id="245" name="Freihand 244">
@@ -10360,7 +10388,7 @@
             </mc:Fallback>
           </mc:AlternateContent>
           <mc:AlternateContent xmlns:mc="http://schemas.openxmlformats.org/markup-compatibility/2006">
-            <mc:Choice xmlns:p14="http://schemas.microsoft.com/office/powerpoint/2010/main" xmlns:aink="http://schemas.microsoft.com/office/drawing/2016/ink" xmlns="" Requires="p14 aink">
+            <mc:Choice xmlns="" xmlns:aink="http://schemas.microsoft.com/office/drawing/2016/ink" xmlns:p14="http://schemas.microsoft.com/office/powerpoint/2010/main" Requires="p14 aink">
               <p:contentPart p14:bwMode="auto" r:id="rId109">
                 <p14:nvContentPartPr>
                   <p14:cNvPr id="246" name="Freihand 245">
@@ -10411,7 +10439,7 @@
             </mc:Fallback>
           </mc:AlternateContent>
           <mc:AlternateContent xmlns:mc="http://schemas.openxmlformats.org/markup-compatibility/2006">
-            <mc:Choice xmlns:p14="http://schemas.microsoft.com/office/powerpoint/2010/main" xmlns:aink="http://schemas.microsoft.com/office/drawing/2016/ink" xmlns="" Requires="p14 aink">
+            <mc:Choice xmlns="" xmlns:aink="http://schemas.microsoft.com/office/drawing/2016/ink" xmlns:p14="http://schemas.microsoft.com/office/powerpoint/2010/main" Requires="p14 aink">
               <p:contentPart p14:bwMode="auto" r:id="rId111">
                 <p14:nvContentPartPr>
                   <p14:cNvPr id="247" name="Freihand 246">
@@ -10462,7 +10490,7 @@
             </mc:Fallback>
           </mc:AlternateContent>
           <mc:AlternateContent xmlns:mc="http://schemas.openxmlformats.org/markup-compatibility/2006">
-            <mc:Choice xmlns:p14="http://schemas.microsoft.com/office/powerpoint/2010/main" xmlns:aink="http://schemas.microsoft.com/office/drawing/2016/ink" xmlns="" Requires="p14 aink">
+            <mc:Choice xmlns="" xmlns:aink="http://schemas.microsoft.com/office/drawing/2016/ink" xmlns:p14="http://schemas.microsoft.com/office/powerpoint/2010/main" Requires="p14 aink">
               <p:contentPart p14:bwMode="auto" r:id="rId113">
                 <p14:nvContentPartPr>
                   <p14:cNvPr id="249" name="Freihand 248">
@@ -10513,7 +10541,7 @@
             </mc:Fallback>
           </mc:AlternateContent>
           <mc:AlternateContent xmlns:mc="http://schemas.openxmlformats.org/markup-compatibility/2006">
-            <mc:Choice xmlns:p14="http://schemas.microsoft.com/office/powerpoint/2010/main" xmlns:aink="http://schemas.microsoft.com/office/drawing/2016/ink" xmlns="" Requires="p14 aink">
+            <mc:Choice xmlns="" xmlns:aink="http://schemas.microsoft.com/office/drawing/2016/ink" xmlns:p14="http://schemas.microsoft.com/office/powerpoint/2010/main" Requires="p14 aink">
               <p:contentPart p14:bwMode="auto" r:id="rId115">
                 <p14:nvContentPartPr>
                   <p14:cNvPr id="250" name="Freihand 249">
@@ -10564,7 +10592,7 @@
             </mc:Fallback>
           </mc:AlternateContent>
           <mc:AlternateContent xmlns:mc="http://schemas.openxmlformats.org/markup-compatibility/2006">
-            <mc:Choice xmlns:p14="http://schemas.microsoft.com/office/powerpoint/2010/main" xmlns:aink="http://schemas.microsoft.com/office/drawing/2016/ink" xmlns="" Requires="p14 aink">
+            <mc:Choice xmlns="" xmlns:aink="http://schemas.microsoft.com/office/drawing/2016/ink" xmlns:p14="http://schemas.microsoft.com/office/powerpoint/2010/main" Requires="p14 aink">
               <p:contentPart p14:bwMode="auto" r:id="rId117">
                 <p14:nvContentPartPr>
                   <p14:cNvPr id="251" name="Freihand 250">
@@ -10615,7 +10643,7 @@
             </mc:Fallback>
           </mc:AlternateContent>
           <mc:AlternateContent xmlns:mc="http://schemas.openxmlformats.org/markup-compatibility/2006">
-            <mc:Choice xmlns:p14="http://schemas.microsoft.com/office/powerpoint/2010/main" xmlns:aink="http://schemas.microsoft.com/office/drawing/2016/ink" xmlns="" Requires="p14 aink">
+            <mc:Choice xmlns="" xmlns:aink="http://schemas.microsoft.com/office/drawing/2016/ink" xmlns:p14="http://schemas.microsoft.com/office/powerpoint/2010/main" Requires="p14 aink">
               <p:contentPart p14:bwMode="auto" r:id="rId119">
                 <p14:nvContentPartPr>
                   <p14:cNvPr id="252" name="Freihand 251">
@@ -10666,7 +10694,7 @@
             </mc:Fallback>
           </mc:AlternateContent>
           <mc:AlternateContent xmlns:mc="http://schemas.openxmlformats.org/markup-compatibility/2006">
-            <mc:Choice xmlns:p14="http://schemas.microsoft.com/office/powerpoint/2010/main" xmlns:aink="http://schemas.microsoft.com/office/drawing/2016/ink" xmlns="" Requires="p14 aink">
+            <mc:Choice xmlns="" xmlns:aink="http://schemas.microsoft.com/office/drawing/2016/ink" xmlns:p14="http://schemas.microsoft.com/office/powerpoint/2010/main" Requires="p14 aink">
               <p:contentPart p14:bwMode="auto" r:id="rId121">
                 <p14:nvContentPartPr>
                   <p14:cNvPr id="253" name="Freihand 252">
@@ -10717,7 +10745,7 @@
             </mc:Fallback>
           </mc:AlternateContent>
           <mc:AlternateContent xmlns:mc="http://schemas.openxmlformats.org/markup-compatibility/2006">
-            <mc:Choice xmlns:p14="http://schemas.microsoft.com/office/powerpoint/2010/main" xmlns:aink="http://schemas.microsoft.com/office/drawing/2016/ink" xmlns="" Requires="p14 aink">
+            <mc:Choice xmlns="" xmlns:aink="http://schemas.microsoft.com/office/drawing/2016/ink" xmlns:p14="http://schemas.microsoft.com/office/powerpoint/2010/main" Requires="p14 aink">
               <p:contentPart p14:bwMode="auto" r:id="rId123">
                 <p14:nvContentPartPr>
                   <p14:cNvPr id="254" name="Freihand 253">
@@ -10768,7 +10796,7 @@
             </mc:Fallback>
           </mc:AlternateContent>
           <mc:AlternateContent xmlns:mc="http://schemas.openxmlformats.org/markup-compatibility/2006">
-            <mc:Choice xmlns:p14="http://schemas.microsoft.com/office/powerpoint/2010/main" xmlns:aink="http://schemas.microsoft.com/office/drawing/2016/ink" xmlns="" Requires="p14 aink">
+            <mc:Choice xmlns="" xmlns:aink="http://schemas.microsoft.com/office/drawing/2016/ink" xmlns:p14="http://schemas.microsoft.com/office/powerpoint/2010/main" Requires="p14 aink">
               <p:contentPart p14:bwMode="auto" r:id="rId125">
                 <p14:nvContentPartPr>
                   <p14:cNvPr id="255" name="Freihand 254">
@@ -10819,7 +10847,7 @@
             </mc:Fallback>
           </mc:AlternateContent>
           <mc:AlternateContent xmlns:mc="http://schemas.openxmlformats.org/markup-compatibility/2006">
-            <mc:Choice xmlns:p14="http://schemas.microsoft.com/office/powerpoint/2010/main" xmlns:aink="http://schemas.microsoft.com/office/drawing/2016/ink" xmlns="" Requires="p14 aink">
+            <mc:Choice xmlns="" xmlns:aink="http://schemas.microsoft.com/office/drawing/2016/ink" xmlns:p14="http://schemas.microsoft.com/office/powerpoint/2010/main" Requires="p14 aink">
               <p:contentPart p14:bwMode="auto" r:id="rId127">
                 <p14:nvContentPartPr>
                   <p14:cNvPr id="256" name="Freihand 255">
@@ -10870,7 +10898,7 @@
             </mc:Fallback>
           </mc:AlternateContent>
           <mc:AlternateContent xmlns:mc="http://schemas.openxmlformats.org/markup-compatibility/2006">
-            <mc:Choice xmlns:p14="http://schemas.microsoft.com/office/powerpoint/2010/main" xmlns:aink="http://schemas.microsoft.com/office/drawing/2016/ink" xmlns="" Requires="p14 aink">
+            <mc:Choice xmlns="" xmlns:aink="http://schemas.microsoft.com/office/drawing/2016/ink" xmlns:p14="http://schemas.microsoft.com/office/powerpoint/2010/main" Requires="p14 aink">
               <p:contentPart p14:bwMode="auto" r:id="rId129">
                 <p14:nvContentPartPr>
                   <p14:cNvPr id="257" name="Freihand 256">
@@ -10921,7 +10949,7 @@
             </mc:Fallback>
           </mc:AlternateContent>
           <mc:AlternateContent xmlns:mc="http://schemas.openxmlformats.org/markup-compatibility/2006">
-            <mc:Choice xmlns:p14="http://schemas.microsoft.com/office/powerpoint/2010/main" xmlns:aink="http://schemas.microsoft.com/office/drawing/2016/ink" xmlns="" Requires="p14 aink">
+            <mc:Choice xmlns="" xmlns:aink="http://schemas.microsoft.com/office/drawing/2016/ink" xmlns:p14="http://schemas.microsoft.com/office/powerpoint/2010/main" Requires="p14 aink">
               <p:contentPart p14:bwMode="auto" r:id="rId131">
                 <p14:nvContentPartPr>
                   <p14:cNvPr id="259" name="Freihand 258">
@@ -10972,7 +11000,7 @@
             </mc:Fallback>
           </mc:AlternateContent>
           <mc:AlternateContent xmlns:mc="http://schemas.openxmlformats.org/markup-compatibility/2006">
-            <mc:Choice xmlns:p14="http://schemas.microsoft.com/office/powerpoint/2010/main" xmlns:aink="http://schemas.microsoft.com/office/drawing/2016/ink" xmlns="" Requires="p14 aink">
+            <mc:Choice xmlns="" xmlns:aink="http://schemas.microsoft.com/office/drawing/2016/ink" xmlns:p14="http://schemas.microsoft.com/office/powerpoint/2010/main" Requires="p14 aink">
               <p:contentPart p14:bwMode="auto" r:id="rId133">
                 <p14:nvContentPartPr>
                   <p14:cNvPr id="260" name="Freihand 259">
@@ -11023,7 +11051,7 @@
             </mc:Fallback>
           </mc:AlternateContent>
           <mc:AlternateContent xmlns:mc="http://schemas.openxmlformats.org/markup-compatibility/2006">
-            <mc:Choice xmlns:p14="http://schemas.microsoft.com/office/powerpoint/2010/main" xmlns:aink="http://schemas.microsoft.com/office/drawing/2016/ink" xmlns="" Requires="p14 aink">
+            <mc:Choice xmlns="" xmlns:aink="http://schemas.microsoft.com/office/drawing/2016/ink" xmlns:p14="http://schemas.microsoft.com/office/powerpoint/2010/main" Requires="p14 aink">
               <p:contentPart p14:bwMode="auto" r:id="rId135">
                 <p14:nvContentPartPr>
                   <p14:cNvPr id="261" name="Freihand 260">
@@ -11074,7 +11102,7 @@
             </mc:Fallback>
           </mc:AlternateContent>
           <mc:AlternateContent xmlns:mc="http://schemas.openxmlformats.org/markup-compatibility/2006">
-            <mc:Choice xmlns:p14="http://schemas.microsoft.com/office/powerpoint/2010/main" xmlns:aink="http://schemas.microsoft.com/office/drawing/2016/ink" xmlns="" Requires="p14 aink">
+            <mc:Choice xmlns="" xmlns:aink="http://schemas.microsoft.com/office/drawing/2016/ink" xmlns:p14="http://schemas.microsoft.com/office/powerpoint/2010/main" Requires="p14 aink">
               <p:contentPart p14:bwMode="auto" r:id="rId137">
                 <p14:nvContentPartPr>
                   <p14:cNvPr id="262" name="Freihand 261">
@@ -11125,7 +11153,7 @@
             </mc:Fallback>
           </mc:AlternateContent>
           <mc:AlternateContent xmlns:mc="http://schemas.openxmlformats.org/markup-compatibility/2006">
-            <mc:Choice xmlns:p14="http://schemas.microsoft.com/office/powerpoint/2010/main" xmlns:aink="http://schemas.microsoft.com/office/drawing/2016/ink" xmlns="" Requires="p14 aink">
+            <mc:Choice xmlns="" xmlns:aink="http://schemas.microsoft.com/office/drawing/2016/ink" xmlns:p14="http://schemas.microsoft.com/office/powerpoint/2010/main" Requires="p14 aink">
               <p:contentPart p14:bwMode="auto" r:id="rId139">
                 <p14:nvContentPartPr>
                   <p14:cNvPr id="263" name="Freihand 262">
@@ -11176,7 +11204,7 @@
             </mc:Fallback>
           </mc:AlternateContent>
           <mc:AlternateContent xmlns:mc="http://schemas.openxmlformats.org/markup-compatibility/2006">
-            <mc:Choice xmlns:p14="http://schemas.microsoft.com/office/powerpoint/2010/main" xmlns:aink="http://schemas.microsoft.com/office/drawing/2016/ink" xmlns="" Requires="p14 aink">
+            <mc:Choice xmlns="" xmlns:aink="http://schemas.microsoft.com/office/drawing/2016/ink" xmlns:p14="http://schemas.microsoft.com/office/powerpoint/2010/main" Requires="p14 aink">
               <p:contentPart p14:bwMode="auto" r:id="rId141">
                 <p14:nvContentPartPr>
                   <p14:cNvPr id="264" name="Freihand 263">
@@ -11227,7 +11255,7 @@
             </mc:Fallback>
           </mc:AlternateContent>
           <mc:AlternateContent xmlns:mc="http://schemas.openxmlformats.org/markup-compatibility/2006">
-            <mc:Choice xmlns:p14="http://schemas.microsoft.com/office/powerpoint/2010/main" xmlns:aink="http://schemas.microsoft.com/office/drawing/2016/ink" xmlns="" Requires="p14 aink">
+            <mc:Choice xmlns="" xmlns:aink="http://schemas.microsoft.com/office/drawing/2016/ink" xmlns:p14="http://schemas.microsoft.com/office/powerpoint/2010/main" Requires="p14 aink">
               <p:contentPart p14:bwMode="auto" r:id="rId143">
                 <p14:nvContentPartPr>
                   <p14:cNvPr id="266" name="Freihand 265">
@@ -11278,7 +11306,7 @@
             </mc:Fallback>
           </mc:AlternateContent>
           <mc:AlternateContent xmlns:mc="http://schemas.openxmlformats.org/markup-compatibility/2006">
-            <mc:Choice xmlns:p14="http://schemas.microsoft.com/office/powerpoint/2010/main" xmlns:aink="http://schemas.microsoft.com/office/drawing/2016/ink" xmlns="" Requires="p14 aink">
+            <mc:Choice xmlns="" xmlns:aink="http://schemas.microsoft.com/office/drawing/2016/ink" xmlns:p14="http://schemas.microsoft.com/office/powerpoint/2010/main" Requires="p14 aink">
               <p:contentPart p14:bwMode="auto" r:id="rId145">
                 <p14:nvContentPartPr>
                   <p14:cNvPr id="267" name="Freihand 266">
@@ -11329,7 +11357,7 @@
             </mc:Fallback>
           </mc:AlternateContent>
           <mc:AlternateContent xmlns:mc="http://schemas.openxmlformats.org/markup-compatibility/2006">
-            <mc:Choice xmlns:p14="http://schemas.microsoft.com/office/powerpoint/2010/main" xmlns:aink="http://schemas.microsoft.com/office/drawing/2016/ink" xmlns="" Requires="p14 aink">
+            <mc:Choice xmlns="" xmlns:aink="http://schemas.microsoft.com/office/drawing/2016/ink" xmlns:p14="http://schemas.microsoft.com/office/powerpoint/2010/main" Requires="p14 aink">
               <p:contentPart p14:bwMode="auto" r:id="rId147">
                 <p14:nvContentPartPr>
                   <p14:cNvPr id="268" name="Freihand 267">
@@ -11380,7 +11408,7 @@
             </mc:Fallback>
           </mc:AlternateContent>
           <mc:AlternateContent xmlns:mc="http://schemas.openxmlformats.org/markup-compatibility/2006">
-            <mc:Choice xmlns:p14="http://schemas.microsoft.com/office/powerpoint/2010/main" xmlns:aink="http://schemas.microsoft.com/office/drawing/2016/ink" xmlns="" Requires="p14 aink">
+            <mc:Choice xmlns="" xmlns:aink="http://schemas.microsoft.com/office/drawing/2016/ink" xmlns:p14="http://schemas.microsoft.com/office/powerpoint/2010/main" Requires="p14 aink">
               <p:contentPart p14:bwMode="auto" r:id="rId149">
                 <p14:nvContentPartPr>
                   <p14:cNvPr id="272" name="Freihand 271">
@@ -11431,7 +11459,7 @@
             </mc:Fallback>
           </mc:AlternateContent>
           <mc:AlternateContent xmlns:mc="http://schemas.openxmlformats.org/markup-compatibility/2006">
-            <mc:Choice xmlns:p14="http://schemas.microsoft.com/office/powerpoint/2010/main" xmlns:aink="http://schemas.microsoft.com/office/drawing/2016/ink" xmlns="" Requires="p14 aink">
+            <mc:Choice xmlns="" xmlns:aink="http://schemas.microsoft.com/office/drawing/2016/ink" xmlns:p14="http://schemas.microsoft.com/office/powerpoint/2010/main" Requires="p14 aink">
               <p:contentPart p14:bwMode="auto" r:id="rId151">
                 <p14:nvContentPartPr>
                   <p14:cNvPr id="273" name="Freihand 272">
@@ -11482,7 +11510,7 @@
             </mc:Fallback>
           </mc:AlternateContent>
           <mc:AlternateContent xmlns:mc="http://schemas.openxmlformats.org/markup-compatibility/2006">
-            <mc:Choice xmlns:p14="http://schemas.microsoft.com/office/powerpoint/2010/main" xmlns:aink="http://schemas.microsoft.com/office/drawing/2016/ink" xmlns="" Requires="p14 aink">
+            <mc:Choice xmlns="" xmlns:aink="http://schemas.microsoft.com/office/drawing/2016/ink" xmlns:p14="http://schemas.microsoft.com/office/powerpoint/2010/main" Requires="p14 aink">
               <p:contentPart p14:bwMode="auto" r:id="rId153">
                 <p14:nvContentPartPr>
                   <p14:cNvPr id="274" name="Freihand 273">
@@ -11533,7 +11561,7 @@
             </mc:Fallback>
           </mc:AlternateContent>
           <mc:AlternateContent xmlns:mc="http://schemas.openxmlformats.org/markup-compatibility/2006">
-            <mc:Choice xmlns:p14="http://schemas.microsoft.com/office/powerpoint/2010/main" xmlns:aink="http://schemas.microsoft.com/office/drawing/2016/ink" xmlns="" Requires="p14 aink">
+            <mc:Choice xmlns="" xmlns:aink="http://schemas.microsoft.com/office/drawing/2016/ink" xmlns:p14="http://schemas.microsoft.com/office/powerpoint/2010/main" Requires="p14 aink">
               <p:contentPart p14:bwMode="auto" r:id="rId155">
                 <p14:nvContentPartPr>
                   <p14:cNvPr id="275" name="Freihand 274">
@@ -11584,7 +11612,7 @@
             </mc:Fallback>
           </mc:AlternateContent>
           <mc:AlternateContent xmlns:mc="http://schemas.openxmlformats.org/markup-compatibility/2006">
-            <mc:Choice xmlns:p14="http://schemas.microsoft.com/office/powerpoint/2010/main" xmlns:aink="http://schemas.microsoft.com/office/drawing/2016/ink" xmlns="" Requires="p14 aink">
+            <mc:Choice xmlns="" xmlns:aink="http://schemas.microsoft.com/office/drawing/2016/ink" xmlns:p14="http://schemas.microsoft.com/office/powerpoint/2010/main" Requires="p14 aink">
               <p:contentPart p14:bwMode="auto" r:id="rId157">
                 <p14:nvContentPartPr>
                   <p14:cNvPr id="276" name="Freihand 275">
@@ -11635,7 +11663,7 @@
             </mc:Fallback>
           </mc:AlternateContent>
           <mc:AlternateContent xmlns:mc="http://schemas.openxmlformats.org/markup-compatibility/2006">
-            <mc:Choice xmlns:p14="http://schemas.microsoft.com/office/powerpoint/2010/main" xmlns:aink="http://schemas.microsoft.com/office/drawing/2016/ink" xmlns="" Requires="p14 aink">
+            <mc:Choice xmlns="" xmlns:aink="http://schemas.microsoft.com/office/drawing/2016/ink" xmlns:p14="http://schemas.microsoft.com/office/powerpoint/2010/main" Requires="p14 aink">
               <p:contentPart p14:bwMode="auto" r:id="rId159">
                 <p14:nvContentPartPr>
                   <p14:cNvPr id="277" name="Freihand 276">
@@ -11686,7 +11714,7 @@
             </mc:Fallback>
           </mc:AlternateContent>
           <mc:AlternateContent xmlns:mc="http://schemas.openxmlformats.org/markup-compatibility/2006">
-            <mc:Choice xmlns:p14="http://schemas.microsoft.com/office/powerpoint/2010/main" xmlns:aink="http://schemas.microsoft.com/office/drawing/2016/ink" xmlns="" Requires="p14 aink">
+            <mc:Choice xmlns="" xmlns:aink="http://schemas.microsoft.com/office/drawing/2016/ink" xmlns:p14="http://schemas.microsoft.com/office/powerpoint/2010/main" Requires="p14 aink">
               <p:contentPart p14:bwMode="auto" r:id="rId161">
                 <p14:nvContentPartPr>
                   <p14:cNvPr id="278" name="Freihand 277">
@@ -11737,7 +11765,7 @@
             </mc:Fallback>
           </mc:AlternateContent>
           <mc:AlternateContent xmlns:mc="http://schemas.openxmlformats.org/markup-compatibility/2006">
-            <mc:Choice xmlns:p14="http://schemas.microsoft.com/office/powerpoint/2010/main" xmlns:aink="http://schemas.microsoft.com/office/drawing/2016/ink" xmlns="" Requires="p14 aink">
+            <mc:Choice xmlns="" xmlns:aink="http://schemas.microsoft.com/office/drawing/2016/ink" xmlns:p14="http://schemas.microsoft.com/office/powerpoint/2010/main" Requires="p14 aink">
               <p:contentPart p14:bwMode="auto" r:id="rId163">
                 <p14:nvContentPartPr>
                   <p14:cNvPr id="279" name="Freihand 278">
@@ -11788,7 +11816,7 @@
             </mc:Fallback>
           </mc:AlternateContent>
           <mc:AlternateContent xmlns:mc="http://schemas.openxmlformats.org/markup-compatibility/2006">
-            <mc:Choice xmlns:p14="http://schemas.microsoft.com/office/powerpoint/2010/main" xmlns:aink="http://schemas.microsoft.com/office/drawing/2016/ink" xmlns="" Requires="p14 aink">
+            <mc:Choice xmlns="" xmlns:aink="http://schemas.microsoft.com/office/drawing/2016/ink" xmlns:p14="http://schemas.microsoft.com/office/powerpoint/2010/main" Requires="p14 aink">
               <p:contentPart p14:bwMode="auto" r:id="rId165">
                 <p14:nvContentPartPr>
                   <p14:cNvPr id="280" name="Freihand 279">
@@ -11839,7 +11867,7 @@
             </mc:Fallback>
           </mc:AlternateContent>
           <mc:AlternateContent xmlns:mc="http://schemas.openxmlformats.org/markup-compatibility/2006">
-            <mc:Choice xmlns:p14="http://schemas.microsoft.com/office/powerpoint/2010/main" xmlns:aink="http://schemas.microsoft.com/office/drawing/2016/ink" xmlns="" Requires="p14 aink">
+            <mc:Choice xmlns="" xmlns:aink="http://schemas.microsoft.com/office/drawing/2016/ink" xmlns:p14="http://schemas.microsoft.com/office/powerpoint/2010/main" Requires="p14 aink">
               <p:contentPart p14:bwMode="auto" r:id="rId167">
                 <p14:nvContentPartPr>
                   <p14:cNvPr id="281" name="Freihand 280">
@@ -11890,7 +11918,7 @@
             </mc:Fallback>
           </mc:AlternateContent>
           <mc:AlternateContent xmlns:mc="http://schemas.openxmlformats.org/markup-compatibility/2006">
-            <mc:Choice xmlns:p14="http://schemas.microsoft.com/office/powerpoint/2010/main" xmlns:aink="http://schemas.microsoft.com/office/drawing/2016/ink" xmlns="" Requires="p14 aink">
+            <mc:Choice xmlns="" xmlns:aink="http://schemas.microsoft.com/office/drawing/2016/ink" xmlns:p14="http://schemas.microsoft.com/office/powerpoint/2010/main" Requires="p14 aink">
               <p:contentPart p14:bwMode="auto" r:id="rId169">
                 <p14:nvContentPartPr>
                   <p14:cNvPr id="282" name="Freihand 281">
@@ -11941,7 +11969,7 @@
             </mc:Fallback>
           </mc:AlternateContent>
           <mc:AlternateContent xmlns:mc="http://schemas.openxmlformats.org/markup-compatibility/2006">
-            <mc:Choice xmlns:p14="http://schemas.microsoft.com/office/powerpoint/2010/main" xmlns:aink="http://schemas.microsoft.com/office/drawing/2016/ink" xmlns="" Requires="p14 aink">
+            <mc:Choice xmlns="" xmlns:aink="http://schemas.microsoft.com/office/drawing/2016/ink" xmlns:p14="http://schemas.microsoft.com/office/powerpoint/2010/main" Requires="p14 aink">
               <p:contentPart p14:bwMode="auto" r:id="rId171">
                 <p14:nvContentPartPr>
                   <p14:cNvPr id="283" name="Freihand 282">
@@ -11992,7 +12020,7 @@
             </mc:Fallback>
           </mc:AlternateContent>
           <mc:AlternateContent xmlns:mc="http://schemas.openxmlformats.org/markup-compatibility/2006">
-            <mc:Choice xmlns:p14="http://schemas.microsoft.com/office/powerpoint/2010/main" xmlns:aink="http://schemas.microsoft.com/office/drawing/2016/ink" xmlns="" Requires="p14 aink">
+            <mc:Choice xmlns="" xmlns:aink="http://schemas.microsoft.com/office/drawing/2016/ink" xmlns:p14="http://schemas.microsoft.com/office/powerpoint/2010/main" Requires="p14 aink">
               <p:contentPart p14:bwMode="auto" r:id="rId173">
                 <p14:nvContentPartPr>
                   <p14:cNvPr id="285" name="Freihand 284">
@@ -12043,7 +12071,7 @@
             </mc:Fallback>
           </mc:AlternateContent>
           <mc:AlternateContent xmlns:mc="http://schemas.openxmlformats.org/markup-compatibility/2006">
-            <mc:Choice xmlns:p14="http://schemas.microsoft.com/office/powerpoint/2010/main" xmlns:aink="http://schemas.microsoft.com/office/drawing/2016/ink" xmlns="" Requires="p14 aink">
+            <mc:Choice xmlns="" xmlns:aink="http://schemas.microsoft.com/office/drawing/2016/ink" xmlns:p14="http://schemas.microsoft.com/office/powerpoint/2010/main" Requires="p14 aink">
               <p:contentPart p14:bwMode="auto" r:id="rId175">
                 <p14:nvContentPartPr>
                   <p14:cNvPr id="286" name="Freihand 285">
@@ -12094,7 +12122,7 @@
             </mc:Fallback>
           </mc:AlternateContent>
           <mc:AlternateContent xmlns:mc="http://schemas.openxmlformats.org/markup-compatibility/2006">
-            <mc:Choice xmlns:p14="http://schemas.microsoft.com/office/powerpoint/2010/main" xmlns:aink="http://schemas.microsoft.com/office/drawing/2016/ink" xmlns="" Requires="p14 aink">
+            <mc:Choice xmlns="" xmlns:aink="http://schemas.microsoft.com/office/drawing/2016/ink" xmlns:p14="http://schemas.microsoft.com/office/powerpoint/2010/main" Requires="p14 aink">
               <p:contentPart p14:bwMode="auto" r:id="rId177">
                 <p14:nvContentPartPr>
                   <p14:cNvPr id="287" name="Freihand 286">
@@ -12145,7 +12173,7 @@
             </mc:Fallback>
           </mc:AlternateContent>
           <mc:AlternateContent xmlns:mc="http://schemas.openxmlformats.org/markup-compatibility/2006">
-            <mc:Choice xmlns:p14="http://schemas.microsoft.com/office/powerpoint/2010/main" xmlns:aink="http://schemas.microsoft.com/office/drawing/2016/ink" xmlns="" Requires="p14 aink">
+            <mc:Choice xmlns="" xmlns:aink="http://schemas.microsoft.com/office/drawing/2016/ink" xmlns:p14="http://schemas.microsoft.com/office/powerpoint/2010/main" Requires="p14 aink">
               <p:contentPart p14:bwMode="auto" r:id="rId179">
                 <p14:nvContentPartPr>
                   <p14:cNvPr id="288" name="Freihand 287">
@@ -12196,7 +12224,7 @@
             </mc:Fallback>
           </mc:AlternateContent>
           <mc:AlternateContent xmlns:mc="http://schemas.openxmlformats.org/markup-compatibility/2006">
-            <mc:Choice xmlns:p14="http://schemas.microsoft.com/office/powerpoint/2010/main" xmlns:aink="http://schemas.microsoft.com/office/drawing/2016/ink" xmlns="" Requires="p14 aink">
+            <mc:Choice xmlns="" xmlns:aink="http://schemas.microsoft.com/office/drawing/2016/ink" xmlns:p14="http://schemas.microsoft.com/office/powerpoint/2010/main" Requires="p14 aink">
               <p:contentPart p14:bwMode="auto" r:id="rId181">
                 <p14:nvContentPartPr>
                   <p14:cNvPr id="289" name="Freihand 288">
@@ -12247,7 +12275,7 @@
             </mc:Fallback>
           </mc:AlternateContent>
           <mc:AlternateContent xmlns:mc="http://schemas.openxmlformats.org/markup-compatibility/2006">
-            <mc:Choice xmlns:p14="http://schemas.microsoft.com/office/powerpoint/2010/main" xmlns:aink="http://schemas.microsoft.com/office/drawing/2016/ink" xmlns="" Requires="p14 aink">
+            <mc:Choice xmlns="" xmlns:aink="http://schemas.microsoft.com/office/drawing/2016/ink" xmlns:p14="http://schemas.microsoft.com/office/powerpoint/2010/main" Requires="p14 aink">
               <p:contentPart p14:bwMode="auto" r:id="rId183">
                 <p14:nvContentPartPr>
                   <p14:cNvPr id="290" name="Freihand 289">
@@ -12298,7 +12326,7 @@
             </mc:Fallback>
           </mc:AlternateContent>
           <mc:AlternateContent xmlns:mc="http://schemas.openxmlformats.org/markup-compatibility/2006">
-            <mc:Choice xmlns:p14="http://schemas.microsoft.com/office/powerpoint/2010/main" xmlns:aink="http://schemas.microsoft.com/office/drawing/2016/ink" xmlns="" Requires="p14 aink">
+            <mc:Choice xmlns="" xmlns:aink="http://schemas.microsoft.com/office/drawing/2016/ink" xmlns:p14="http://schemas.microsoft.com/office/powerpoint/2010/main" Requires="p14 aink">
               <p:contentPart p14:bwMode="auto" r:id="rId185">
                 <p14:nvContentPartPr>
                   <p14:cNvPr id="291" name="Freihand 290">
@@ -12349,7 +12377,7 @@
             </mc:Fallback>
           </mc:AlternateContent>
           <mc:AlternateContent xmlns:mc="http://schemas.openxmlformats.org/markup-compatibility/2006">
-            <mc:Choice xmlns:p14="http://schemas.microsoft.com/office/powerpoint/2010/main" xmlns:aink="http://schemas.microsoft.com/office/drawing/2016/ink" xmlns="" Requires="p14 aink">
+            <mc:Choice xmlns="" xmlns:aink="http://schemas.microsoft.com/office/drawing/2016/ink" xmlns:p14="http://schemas.microsoft.com/office/powerpoint/2010/main" Requires="p14 aink">
               <p:contentPart p14:bwMode="auto" r:id="rId187">
                 <p14:nvContentPartPr>
                   <p14:cNvPr id="292" name="Freihand 291">
@@ -12415,7 +12443,7 @@
         </p:nvCxnSpPr>
         <p:spPr>
           <a:xfrm>
-            <a:off x="14699283" y="21683537"/>
+            <a:off x="14699283" y="21997862"/>
             <a:ext cx="10614" cy="7932730"/>
           </a:xfrm>
           <a:prstGeom prst="line">
@@ -12541,7 +12569,15 @@
               </a:r>
               <a:r>
                 <a:rPr lang="de-DE" sz="2400" dirty="0"/>
-                <a:t>Ergebnis der Simulation ist jeweils identisch.</a:t>
+                <a:t>Ergebnis der Simulation ist </a:t>
+              </a:r>
+              <a:r>
+                <a:rPr lang="de-DE" sz="2400" dirty="0" smtClean="0"/>
+                <a:t>identisch</a:t>
+              </a:r>
+              <a:r>
+                <a:rPr lang="de-DE" sz="2400" dirty="0"/>
+                <a:t>.</a:t>
               </a:r>
             </a:p>
           </p:txBody>
@@ -12634,7 +12670,15 @@
               <a:pPr algn="just"/>
               <a:r>
                 <a:rPr lang="de-DE" sz="2400" dirty="0"/>
-                <a:t>Es ist ein Modell vorhanden, um den Fall darstellen zu können, dass das die Masse an einer Rolle, statt am Seil hängt.</a:t>
+                <a:t>Es ist ein Modell vorhanden, um den Fall darstellen zu können, dass </a:t>
+              </a:r>
+              <a:r>
+                <a:rPr lang="de-DE" sz="2400" dirty="0" smtClean="0"/>
+                <a:t>die </a:t>
+              </a:r>
+              <a:r>
+                <a:rPr lang="de-DE" sz="2400" dirty="0"/>
+                <a:t>Masse an einer Rolle, statt am Seil hängt.</a:t>
               </a:r>
             </a:p>
           </p:txBody>
@@ -12657,8 +12701,8 @@
         </p:nvCxnSpPr>
         <p:spPr>
           <a:xfrm flipH="1">
-            <a:off x="6997825" y="14515048"/>
-            <a:ext cx="2876827" cy="1771312"/>
+            <a:off x="6997826" y="14515048"/>
+            <a:ext cx="2876828" cy="1771312"/>
           </a:xfrm>
           <a:prstGeom prst="line">
             <a:avLst/>
@@ -12685,363 +12729,38 @@
           </a:fontRef>
         </p:style>
       </p:cxnSp>
-      <p:pic>
-        <p:nvPicPr>
-          <p:cNvPr id="446" name="Grafik 445">
-            <a:extLst>
-              <a:ext uri="{FF2B5EF4-FFF2-40B4-BE49-F238E27FC236}">
-                <a16:creationId xmlns:a16="http://schemas.microsoft.com/office/drawing/2014/main" id="{E0BA4414-84B2-4741-A79D-992B218D2B2B}"/>
-              </a:ext>
-            </a:extLst>
-          </p:cNvPr>
-          <p:cNvPicPr>
-            <a:picLocks noChangeAspect="1"/>
-          </p:cNvPicPr>
-          <p:nvPr/>
-        </p:nvPicPr>
-        <p:blipFill>
-          <a:blip r:embed="rId189">
-            <a:extLst>
-              <a:ext uri="{28A0092B-C50C-407E-A947-70E740481C1C}">
-                <a14:useLocalDpi xmlns:a14="http://schemas.microsoft.com/office/drawing/2010/main" val="0"/>
-              </a:ext>
-            </a:extLst>
-          </a:blip>
-          <a:srcRect/>
-          <a:stretch/>
-        </p:blipFill>
-        <p:spPr>
-          <a:xfrm>
-            <a:off x="18820251" y="19597135"/>
-            <a:ext cx="1231668" cy="979176"/>
-          </a:xfrm>
-          <a:prstGeom prst="rect">
-            <a:avLst/>
-          </a:prstGeom>
-        </p:spPr>
-      </p:pic>
-      <p:pic>
-        <p:nvPicPr>
-          <p:cNvPr id="241" name="Grafik 240">
-            <a:extLst>
-              <a:ext uri="{FF2B5EF4-FFF2-40B4-BE49-F238E27FC236}">
-                <a16:creationId xmlns:a16="http://schemas.microsoft.com/office/drawing/2014/main" id="{BC7C0AD1-1D7E-4746-9B13-17B6F15E5C8A}"/>
-              </a:ext>
-            </a:extLst>
-          </p:cNvPr>
-          <p:cNvPicPr>
-            <a:picLocks noChangeAspect="1"/>
-          </p:cNvPicPr>
-          <p:nvPr/>
-        </p:nvPicPr>
-        <p:blipFill>
-          <a:blip r:embed="rId190">
-            <a:extLst>
-              <a:ext uri="{BEBA8EAE-BF5A-486C-A8C5-ECC9F3942E4B}">
-                <a14:imgProps xmlns:a14="http://schemas.microsoft.com/office/drawing/2010/main">
-                  <a14:imgLayer r:embed="rId191">
-                    <a14:imgEffect>
-                      <a14:backgroundRemoval t="6764" b="92706" l="6200" r="93571">
-                        <a14:foregroundMark x1="35591" y1="9549" x2="58439" y2="6764"/>
-                        <a14:foregroundMark x1="58439" y1="6764" x2="67394" y2="9814"/>
-                        <a14:foregroundMark x1="11137" y1="56631" x2="7807" y2="50133"/>
-                        <a14:foregroundMark x1="7807" y1="50133" x2="9300" y2="45623"/>
-                        <a14:foregroundMark x1="35591" y1="90584" x2="47876" y2="94960"/>
-                        <a14:foregroundMark x1="47876" y1="94960" x2="54076" y2="95225"/>
-                        <a14:foregroundMark x1="54076" y1="95225" x2="65786" y2="92706"/>
-                        <a14:foregroundMark x1="65786" y1="92706" x2="70034" y2="90053"/>
-                        <a14:foregroundMark x1="91504" y1="55703" x2="93685" y2="48408"/>
-                        <a14:foregroundMark x1="93685" y1="48408" x2="89782" y2="44562"/>
-                        <a14:foregroundMark x1="8152" y1="56499" x2="6200" y2="49072"/>
-                        <a14:foregroundMark x1="6200" y1="49072" x2="7233" y2="46419"/>
-                      </a14:backgroundRemoval>
-                    </a14:imgEffect>
-                  </a14:imgLayer>
-                </a14:imgProps>
-              </a:ext>
-            </a:extLst>
-          </a:blip>
-          <a:stretch>
-            <a:fillRect/>
-          </a:stretch>
-        </p:blipFill>
-        <p:spPr>
-          <a:xfrm>
-            <a:off x="14597394" y="19390130"/>
-            <a:ext cx="1609369" cy="1393186"/>
-          </a:xfrm>
-          <a:prstGeom prst="rect">
-            <a:avLst/>
-          </a:prstGeom>
-        </p:spPr>
-      </p:pic>
-      <p:sp>
-        <p:nvSpPr>
-          <p:cNvPr id="219" name="Textfeld 218">
-            <a:extLst>
-              <a:ext uri="{FF2B5EF4-FFF2-40B4-BE49-F238E27FC236}">
-                <a16:creationId xmlns:a16="http://schemas.microsoft.com/office/drawing/2014/main" id="{14BBCB01-ED98-455D-82CD-94286659381F}"/>
-              </a:ext>
-            </a:extLst>
-          </p:cNvPr>
-          <p:cNvSpPr txBox="1"/>
-          <p:nvPr/>
-        </p:nvSpPr>
-        <p:spPr>
-          <a:xfrm>
-            <a:off x="5562031" y="18709105"/>
-            <a:ext cx="2364736" cy="369332"/>
-          </a:xfrm>
-          <a:prstGeom prst="rect">
-            <a:avLst/>
-          </a:prstGeom>
-          <a:noFill/>
-        </p:spPr>
-        <p:txBody>
-          <a:bodyPr wrap="square" rtlCol="0">
-            <a:spAutoFit/>
-          </a:bodyPr>
-          <a:lstStyle/>
-          <a:p>
-            <a:pPr algn="ctr"/>
-            <a:r>
-              <a:rPr lang="de-DE" b="1" dirty="0"/>
-              <a:t>Elektromotor</a:t>
-            </a:r>
-          </a:p>
-        </p:txBody>
-      </p:sp>
-      <p:sp>
-        <p:nvSpPr>
-          <p:cNvPr id="220" name="Textfeld 219">
-            <a:extLst>
-              <a:ext uri="{FF2B5EF4-FFF2-40B4-BE49-F238E27FC236}">
-                <a16:creationId xmlns:a16="http://schemas.microsoft.com/office/drawing/2014/main" id="{2552D35C-72E0-4E76-8A14-CB37970938D0}"/>
-              </a:ext>
-            </a:extLst>
-          </p:cNvPr>
-          <p:cNvSpPr txBox="1"/>
-          <p:nvPr/>
-        </p:nvSpPr>
-        <p:spPr>
-          <a:xfrm>
-            <a:off x="14597393" y="18740985"/>
-            <a:ext cx="1609369" cy="369332"/>
-          </a:xfrm>
-          <a:prstGeom prst="rect">
-            <a:avLst/>
-          </a:prstGeom>
-          <a:noFill/>
-        </p:spPr>
-        <p:txBody>
-          <a:bodyPr wrap="square" rtlCol="0">
-            <a:spAutoFit/>
-          </a:bodyPr>
-          <a:lstStyle/>
-          <a:p>
-            <a:pPr algn="ctr"/>
-            <a:r>
-              <a:rPr lang="de-DE" b="1" dirty="0"/>
-              <a:t>Rolle</a:t>
-            </a:r>
-          </a:p>
-        </p:txBody>
-      </p:sp>
-      <p:sp>
-        <p:nvSpPr>
-          <p:cNvPr id="221" name="Textfeld 220">
-            <a:extLst>
-              <a:ext uri="{FF2B5EF4-FFF2-40B4-BE49-F238E27FC236}">
-                <a16:creationId xmlns:a16="http://schemas.microsoft.com/office/drawing/2014/main" id="{2D0F3A99-3B9A-40E1-824F-AE7DF63C4B3E}"/>
-              </a:ext>
-            </a:extLst>
-          </p:cNvPr>
-          <p:cNvSpPr txBox="1"/>
-          <p:nvPr/>
-        </p:nvSpPr>
-        <p:spPr>
-          <a:xfrm>
-            <a:off x="18820250" y="18707203"/>
-            <a:ext cx="1231669" cy="369332"/>
-          </a:xfrm>
-          <a:prstGeom prst="rect">
-            <a:avLst/>
-          </a:prstGeom>
-          <a:noFill/>
-        </p:spPr>
-        <p:txBody>
-          <a:bodyPr wrap="square" rtlCol="0">
-            <a:spAutoFit/>
-          </a:bodyPr>
-          <a:lstStyle/>
-          <a:p>
-            <a:pPr algn="ctr"/>
-            <a:r>
-              <a:rPr lang="de-DE" b="1" dirty="0"/>
-              <a:t>Masse</a:t>
-            </a:r>
-          </a:p>
-        </p:txBody>
-      </p:sp>
-      <p:pic>
-        <p:nvPicPr>
-          <p:cNvPr id="422" name="Grafik 421">
-            <a:extLst>
-              <a:ext uri="{FF2B5EF4-FFF2-40B4-BE49-F238E27FC236}">
-                <a16:creationId xmlns:a16="http://schemas.microsoft.com/office/drawing/2014/main" id="{E9B44131-5C98-4C82-A1B9-55EEE536C120}"/>
-              </a:ext>
-            </a:extLst>
-          </p:cNvPr>
-          <p:cNvPicPr>
-            <a:picLocks noChangeAspect="1"/>
-          </p:cNvPicPr>
-          <p:nvPr/>
-        </p:nvPicPr>
-        <p:blipFill>
-          <a:blip r:embed="rId192"/>
-          <a:stretch>
-            <a:fillRect/>
-          </a:stretch>
-        </p:blipFill>
-        <p:spPr>
-          <a:xfrm>
-            <a:off x="1559020" y="19396552"/>
-            <a:ext cx="1389524" cy="1380342"/>
-          </a:xfrm>
-          <a:prstGeom prst="rect">
-            <a:avLst/>
-          </a:prstGeom>
-        </p:spPr>
-      </p:pic>
-      <p:sp>
-        <p:nvSpPr>
-          <p:cNvPr id="448" name="Textfeld 447">
-            <a:extLst>
-              <a:ext uri="{FF2B5EF4-FFF2-40B4-BE49-F238E27FC236}">
-                <a16:creationId xmlns:a16="http://schemas.microsoft.com/office/drawing/2014/main" id="{62A4429D-B8AA-4987-BF6C-951A72E55708}"/>
-              </a:ext>
-            </a:extLst>
-          </p:cNvPr>
-          <p:cNvSpPr txBox="1"/>
-          <p:nvPr/>
-        </p:nvSpPr>
-        <p:spPr>
-          <a:xfrm>
-            <a:off x="1331705" y="18734665"/>
-            <a:ext cx="2018475" cy="369332"/>
-          </a:xfrm>
-          <a:prstGeom prst="rect">
-            <a:avLst/>
-          </a:prstGeom>
-          <a:noFill/>
-        </p:spPr>
-        <p:txBody>
-          <a:bodyPr wrap="square" rtlCol="0">
-            <a:spAutoFit/>
-          </a:bodyPr>
-          <a:lstStyle/>
-          <a:p>
-            <a:r>
-              <a:rPr lang="de-DE" b="1" dirty="0"/>
-              <a:t>Spannungsquelle</a:t>
-            </a:r>
-          </a:p>
-        </p:txBody>
-      </p:sp>
       <p:grpSp>
         <p:nvGrpSpPr>
-          <p:cNvPr id="17" name="Gruppieren 16">
-            <a:extLst>
-              <a:ext uri="{FF2B5EF4-FFF2-40B4-BE49-F238E27FC236}">
-                <a16:creationId xmlns:a16="http://schemas.microsoft.com/office/drawing/2014/main" id="{11D49907-9BEE-49B2-8EED-0572FE2E0B9F}"/>
-              </a:ext>
-            </a:extLst>
-          </p:cNvPr>
+          <p:cNvPr id="16" name="Gruppieren 15"/>
           <p:cNvGrpSpPr/>
           <p:nvPr/>
         </p:nvGrpSpPr>
         <p:grpSpPr>
           <a:xfrm>
-            <a:off x="3445286" y="19437020"/>
-            <a:ext cx="1620000" cy="518570"/>
-            <a:chOff x="2655854" y="19341595"/>
-            <a:chExt cx="2182210" cy="518570"/>
+            <a:off x="962025" y="18992850"/>
+            <a:ext cx="19459575" cy="2619375"/>
+            <a:chOff x="962025" y="18992850"/>
+            <a:chExt cx="19459575" cy="2619375"/>
           </a:xfrm>
         </p:grpSpPr>
         <p:sp>
           <p:nvSpPr>
-            <p:cNvPr id="452" name="Textfeld 451">
-              <a:extLst>
-                <a:ext uri="{FF2B5EF4-FFF2-40B4-BE49-F238E27FC236}">
-                  <a16:creationId xmlns:a16="http://schemas.microsoft.com/office/drawing/2014/main" id="{98081FAE-A2DB-4381-8295-6D13E33B5640}"/>
-                </a:ext>
-              </a:extLst>
-            </p:cNvPr>
-            <p:cNvSpPr txBox="1"/>
-            <p:nvPr/>
-          </p:nvSpPr>
-          <p:spPr>
-            <a:xfrm>
-              <a:off x="3318614" y="19341595"/>
-              <a:ext cx="944361" cy="369332"/>
-            </a:xfrm>
-            <a:prstGeom prst="rect">
-              <a:avLst/>
-            </a:prstGeom>
-            <a:noFill/>
-          </p:spPr>
-          <p:txBody>
-            <a:bodyPr wrap="square" rtlCol="0">
-              <a:spAutoFit/>
-            </a:bodyPr>
-            <a:lstStyle/>
-            <a:p>
-              <a:r>
-                <a:rPr lang="de-DE" b="1" dirty="0" err="1">
-                  <a:latin typeface="Calibri" panose="020F0502020204030204" pitchFamily="34" charset="0"/>
-                  <a:ea typeface="Calibri" panose="020F0502020204030204" pitchFamily="34" charset="0"/>
-                  <a:cs typeface="Times New Roman" panose="02020603050405020304" pitchFamily="18" charset="0"/>
-                </a:rPr>
-                <a:t>U</a:t>
-              </a:r>
-              <a:r>
-                <a:rPr lang="de-DE" b="1" baseline="-25000" dirty="0" err="1">
-                  <a:latin typeface="Calibri" panose="020F0502020204030204" pitchFamily="34" charset="0"/>
-                  <a:ea typeface="Calibri" panose="020F0502020204030204" pitchFamily="34" charset="0"/>
-                  <a:cs typeface="Times New Roman" panose="02020603050405020304" pitchFamily="18" charset="0"/>
-                </a:rPr>
-                <a:t>Const</a:t>
-              </a:r>
-              <a:endParaRPr lang="de-DE" b="1" dirty="0"/>
-            </a:p>
-          </p:txBody>
-        </p:sp>
-        <p:sp>
-          <p:nvSpPr>
-            <p:cNvPr id="451" name="Pfeil: nach rechts 450">
-              <a:extLst>
-                <a:ext uri="{FF2B5EF4-FFF2-40B4-BE49-F238E27FC236}">
-                  <a16:creationId xmlns:a16="http://schemas.microsoft.com/office/drawing/2014/main" id="{A111C064-54E6-4FFC-B1EA-65BD01373C06}"/>
-                </a:ext>
-              </a:extLst>
-            </p:cNvPr>
+            <p:cNvPr id="6" name="Rechteck 5"/>
             <p:cNvSpPr/>
             <p:nvPr/>
           </p:nvSpPr>
           <p:spPr>
             <a:xfrm>
-              <a:off x="2655854" y="19735865"/>
-              <a:ext cx="2182210" cy="124300"/>
+              <a:off x="962025" y="18992850"/>
+              <a:ext cx="19459575" cy="2619375"/>
             </a:xfrm>
-            <a:prstGeom prst="rightArrow">
+            <a:prstGeom prst="rect">
               <a:avLst/>
             </a:prstGeom>
             <a:solidFill>
-              <a:schemeClr val="bg1">
-                <a:lumMod val="50000"/>
-              </a:schemeClr>
+              <a:schemeClr val="bg1"/>
             </a:solidFill>
-            <a:ln>
+            <a:ln w="28575">
               <a:solidFill>
                 <a:schemeClr val="bg1">
                   <a:lumMod val="50000"/>
@@ -13074,845 +12793,1250 @@
             </a:p>
           </p:txBody>
         </p:sp>
-      </p:grpSp>
-      <p:grpSp>
-        <p:nvGrpSpPr>
-          <p:cNvPr id="18" name="Gruppieren 17">
-            <a:extLst>
-              <a:ext uri="{FF2B5EF4-FFF2-40B4-BE49-F238E27FC236}">
-                <a16:creationId xmlns:a16="http://schemas.microsoft.com/office/drawing/2014/main" id="{3843E0B3-E190-4A55-9027-34509EDA512C}"/>
-              </a:ext>
-            </a:extLst>
-          </p:cNvPr>
-          <p:cNvGrpSpPr/>
-          <p:nvPr/>
-        </p:nvGrpSpPr>
-        <p:grpSpPr>
-          <a:xfrm>
-            <a:off x="12480651" y="19532795"/>
-            <a:ext cx="1620000" cy="1107857"/>
-            <a:chOff x="11249199" y="19395653"/>
-            <a:chExt cx="2259517" cy="1107857"/>
-          </a:xfrm>
-        </p:grpSpPr>
-        <p:sp>
-          <p:nvSpPr>
-            <p:cNvPr id="453" name="Textfeld 452">
-              <a:extLst>
-                <a:ext uri="{FF2B5EF4-FFF2-40B4-BE49-F238E27FC236}">
-                  <a16:creationId xmlns:a16="http://schemas.microsoft.com/office/drawing/2014/main" id="{D5B9C5F3-2EA6-4E3F-A17E-C7871CF301C8}"/>
-                </a:ext>
-              </a:extLst>
-            </p:cNvPr>
-            <p:cNvSpPr txBox="1"/>
-            <p:nvPr/>
-          </p:nvSpPr>
-          <p:spPr>
-            <a:xfrm>
-              <a:off x="11326504" y="19395653"/>
-              <a:ext cx="2104903" cy="369332"/>
-            </a:xfrm>
-            <a:prstGeom prst="rect">
-              <a:avLst/>
-            </a:prstGeom>
-            <a:noFill/>
-          </p:spPr>
-          <p:txBody>
-            <a:bodyPr wrap="square" rtlCol="0">
-              <a:spAutoFit/>
-            </a:bodyPr>
-            <a:lstStyle/>
-            <a:p>
-              <a:pPr algn="ctr"/>
-              <a:r>
-                <a:rPr lang="de-DE" b="1" dirty="0"/>
-                <a:t>s</a:t>
-              </a:r>
-            </a:p>
-          </p:txBody>
-        </p:sp>
-        <p:sp>
-          <p:nvSpPr>
-            <p:cNvPr id="455" name="Textfeld 454">
-              <a:extLst>
-                <a:ext uri="{FF2B5EF4-FFF2-40B4-BE49-F238E27FC236}">
-                  <a16:creationId xmlns:a16="http://schemas.microsoft.com/office/drawing/2014/main" id="{5CDE81E0-0E23-4697-9FF2-43D5AC10995F}"/>
-                </a:ext>
-              </a:extLst>
-            </p:cNvPr>
-            <p:cNvSpPr txBox="1"/>
-            <p:nvPr/>
-          </p:nvSpPr>
-          <p:spPr>
-            <a:xfrm>
-              <a:off x="11326504" y="20134178"/>
-              <a:ext cx="2104903" cy="369332"/>
-            </a:xfrm>
-            <a:prstGeom prst="rect">
-              <a:avLst/>
-            </a:prstGeom>
-            <a:noFill/>
-          </p:spPr>
-          <p:txBody>
-            <a:bodyPr wrap="square" rtlCol="0">
-              <a:spAutoFit/>
-            </a:bodyPr>
-            <a:lstStyle/>
-            <a:p>
-              <a:pPr algn="ctr"/>
-              <a:r>
-                <a:rPr lang="de-DE" b="1" dirty="0" err="1">
-                  <a:latin typeface="Calibri" panose="020F0502020204030204" pitchFamily="34" charset="0"/>
-                  <a:ea typeface="Calibri" panose="020F0502020204030204" pitchFamily="34" charset="0"/>
-                  <a:cs typeface="Times New Roman" panose="02020603050405020304" pitchFamily="18" charset="0"/>
-                </a:rPr>
-                <a:t>F</a:t>
-              </a:r>
-              <a:r>
-                <a:rPr lang="de-DE" b="1" baseline="-25000" dirty="0" err="1">
-                  <a:latin typeface="Calibri" panose="020F0502020204030204" pitchFamily="34" charset="0"/>
-                  <a:ea typeface="Calibri" panose="020F0502020204030204" pitchFamily="34" charset="0"/>
-                  <a:cs typeface="Times New Roman" panose="02020603050405020304" pitchFamily="18" charset="0"/>
-                </a:rPr>
-                <a:t>z</a:t>
-              </a:r>
-              <a:endParaRPr lang="de-DE" b="1" dirty="0"/>
-            </a:p>
-          </p:txBody>
-        </p:sp>
         <p:grpSp>
           <p:nvGrpSpPr>
-            <p:cNvPr id="4" name="Gruppieren 3">
-              <a:extLst>
-                <a:ext uri="{FF2B5EF4-FFF2-40B4-BE49-F238E27FC236}">
-                  <a16:creationId xmlns:a16="http://schemas.microsoft.com/office/drawing/2014/main" id="{6B7FE7CD-F928-441A-819D-145D4EDA623C}"/>
-                </a:ext>
-              </a:extLst>
-            </p:cNvPr>
+            <p:cNvPr id="5" name="Gruppieren 4"/>
             <p:cNvGrpSpPr/>
             <p:nvPr/>
           </p:nvGrpSpPr>
           <p:grpSpPr>
             <a:xfrm>
-              <a:off x="11249199" y="19737114"/>
-              <a:ext cx="2259517" cy="398346"/>
-              <a:chOff x="11381902" y="20764757"/>
-              <a:chExt cx="2259517" cy="398346"/>
+              <a:off x="1331705" y="19264481"/>
+              <a:ext cx="18720214" cy="2076113"/>
+              <a:chOff x="1331705" y="18707203"/>
+              <a:chExt cx="18720214" cy="2076113"/>
             </a:xfrm>
           </p:grpSpPr>
-          <p:sp>
-            <p:nvSpPr>
-              <p:cNvPr id="161" name="Pfeil: nach rechts 160">
+          <p:pic>
+            <p:nvPicPr>
+              <p:cNvPr id="446" name="Grafik 445">
                 <a:extLst>
                   <a:ext uri="{FF2B5EF4-FFF2-40B4-BE49-F238E27FC236}">
-                    <a16:creationId xmlns:a16="http://schemas.microsoft.com/office/drawing/2014/main" id="{66B32E8D-8097-40B9-8294-ED21204139EE}"/>
+                    <a16:creationId xmlns:a16="http://schemas.microsoft.com/office/drawing/2014/main" id="{E0BA4414-84B2-4741-A79D-992B218D2B2B}"/>
                   </a:ext>
                 </a:extLst>
               </p:cNvPr>
-              <p:cNvSpPr/>
+              <p:cNvPicPr>
+                <a:picLocks noChangeAspect="1"/>
+              </p:cNvPicPr>
+              <p:nvPr/>
+            </p:nvPicPr>
+            <p:blipFill>
+              <a:blip r:embed="rId189">
+                <a:extLst>
+                  <a:ext uri="{28A0092B-C50C-407E-A947-70E740481C1C}">
+                    <a14:useLocalDpi xmlns:a14="http://schemas.microsoft.com/office/drawing/2010/main" val="0"/>
+                  </a:ext>
+                </a:extLst>
+              </a:blip>
+              <a:srcRect/>
+              <a:stretch/>
+            </p:blipFill>
+            <p:spPr>
+              <a:xfrm>
+                <a:off x="18820251" y="19597135"/>
+                <a:ext cx="1231668" cy="979176"/>
+              </a:xfrm>
+              <a:prstGeom prst="rect">
+                <a:avLst/>
+              </a:prstGeom>
+            </p:spPr>
+          </p:pic>
+          <p:pic>
+            <p:nvPicPr>
+              <p:cNvPr id="241" name="Grafik 240">
+                <a:extLst>
+                  <a:ext uri="{FF2B5EF4-FFF2-40B4-BE49-F238E27FC236}">
+                    <a16:creationId xmlns:a16="http://schemas.microsoft.com/office/drawing/2014/main" id="{BC7C0AD1-1D7E-4746-9B13-17B6F15E5C8A}"/>
+                  </a:ext>
+                </a:extLst>
+              </p:cNvPr>
+              <p:cNvPicPr>
+                <a:picLocks noChangeAspect="1"/>
+              </p:cNvPicPr>
+              <p:nvPr/>
+            </p:nvPicPr>
+            <p:blipFill>
+              <a:blip r:embed="rId190">
+                <a:extLst>
+                  <a:ext uri="{BEBA8EAE-BF5A-486C-A8C5-ECC9F3942E4B}">
+                    <a14:imgProps xmlns:a14="http://schemas.microsoft.com/office/drawing/2010/main">
+                      <a14:imgLayer r:embed="rId191">
+                        <a14:imgEffect>
+                          <a14:backgroundRemoval t="6764" b="92706" l="6200" r="93571">
+                            <a14:foregroundMark x1="35591" y1="9549" x2="58439" y2="6764"/>
+                            <a14:foregroundMark x1="58439" y1="6764" x2="67394" y2="9814"/>
+                            <a14:foregroundMark x1="11137" y1="56631" x2="7807" y2="50133"/>
+                            <a14:foregroundMark x1="7807" y1="50133" x2="9300" y2="45623"/>
+                            <a14:foregroundMark x1="35591" y1="90584" x2="47876" y2="94960"/>
+                            <a14:foregroundMark x1="47876" y1="94960" x2="54076" y2="95225"/>
+                            <a14:foregroundMark x1="54076" y1="95225" x2="65786" y2="92706"/>
+                            <a14:foregroundMark x1="65786" y1="92706" x2="70034" y2="90053"/>
+                            <a14:foregroundMark x1="91504" y1="55703" x2="93685" y2="48408"/>
+                            <a14:foregroundMark x1="93685" y1="48408" x2="89782" y2="44562"/>
+                            <a14:foregroundMark x1="8152" y1="56499" x2="6200" y2="49072"/>
+                            <a14:foregroundMark x1="6200" y1="49072" x2="7233" y2="46419"/>
+                          </a14:backgroundRemoval>
+                        </a14:imgEffect>
+                      </a14:imgLayer>
+                    </a14:imgProps>
+                  </a:ext>
+                </a:extLst>
+              </a:blip>
+              <a:stretch>
+                <a:fillRect/>
+              </a:stretch>
+            </p:blipFill>
+            <p:spPr>
+              <a:xfrm>
+                <a:off x="14597394" y="19390130"/>
+                <a:ext cx="1609369" cy="1393186"/>
+              </a:xfrm>
+              <a:prstGeom prst="rect">
+                <a:avLst/>
+              </a:prstGeom>
+            </p:spPr>
+          </p:pic>
+          <p:sp>
+            <p:nvSpPr>
+              <p:cNvPr id="219" name="Textfeld 218">
+                <a:extLst>
+                  <a:ext uri="{FF2B5EF4-FFF2-40B4-BE49-F238E27FC236}">
+                    <a16:creationId xmlns:a16="http://schemas.microsoft.com/office/drawing/2014/main" id="{14BBCB01-ED98-455D-82CD-94286659381F}"/>
+                  </a:ext>
+                </a:extLst>
+              </p:cNvPr>
+              <p:cNvSpPr txBox="1"/>
               <p:nvPr/>
             </p:nvSpPr>
             <p:spPr>
               <a:xfrm>
-                <a:off x="11459209" y="20764757"/>
-                <a:ext cx="2182210" cy="124300"/>
+                <a:off x="5562031" y="18709105"/>
+                <a:ext cx="2364736" cy="369332"/>
               </a:xfrm>
-              <a:prstGeom prst="rightArrow">
+              <a:prstGeom prst="rect">
                 <a:avLst/>
               </a:prstGeom>
-              <a:solidFill>
-                <a:schemeClr val="bg1">
-                  <a:lumMod val="50000"/>
-                </a:schemeClr>
-              </a:solidFill>
-              <a:ln>
+              <a:noFill/>
+            </p:spPr>
+            <p:txBody>
+              <a:bodyPr wrap="square" rtlCol="0">
+                <a:spAutoFit/>
+              </a:bodyPr>
+              <a:lstStyle/>
+              <a:p>
+                <a:pPr algn="ctr"/>
+                <a:r>
+                  <a:rPr lang="de-DE" b="1" dirty="0"/>
+                  <a:t>Elektromotor</a:t>
+                </a:r>
+              </a:p>
+            </p:txBody>
+          </p:sp>
+          <p:sp>
+            <p:nvSpPr>
+              <p:cNvPr id="220" name="Textfeld 219">
+                <a:extLst>
+                  <a:ext uri="{FF2B5EF4-FFF2-40B4-BE49-F238E27FC236}">
+                    <a16:creationId xmlns:a16="http://schemas.microsoft.com/office/drawing/2014/main" id="{2552D35C-72E0-4E76-8A14-CB37970938D0}"/>
+                  </a:ext>
+                </a:extLst>
+              </p:cNvPr>
+              <p:cNvSpPr txBox="1"/>
+              <p:nvPr/>
+            </p:nvSpPr>
+            <p:spPr>
+              <a:xfrm>
+                <a:off x="14597393" y="18740985"/>
+                <a:ext cx="1609369" cy="369332"/>
+              </a:xfrm>
+              <a:prstGeom prst="rect">
+                <a:avLst/>
+              </a:prstGeom>
+              <a:noFill/>
+            </p:spPr>
+            <p:txBody>
+              <a:bodyPr wrap="square" rtlCol="0">
+                <a:spAutoFit/>
+              </a:bodyPr>
+              <a:lstStyle/>
+              <a:p>
+                <a:pPr algn="ctr"/>
+                <a:r>
+                  <a:rPr lang="de-DE" b="1" dirty="0"/>
+                  <a:t>Rolle</a:t>
+                </a:r>
+              </a:p>
+            </p:txBody>
+          </p:sp>
+          <p:sp>
+            <p:nvSpPr>
+              <p:cNvPr id="221" name="Textfeld 220">
+                <a:extLst>
+                  <a:ext uri="{FF2B5EF4-FFF2-40B4-BE49-F238E27FC236}">
+                    <a16:creationId xmlns:a16="http://schemas.microsoft.com/office/drawing/2014/main" id="{2D0F3A99-3B9A-40E1-824F-AE7DF63C4B3E}"/>
+                  </a:ext>
+                </a:extLst>
+              </p:cNvPr>
+              <p:cNvSpPr txBox="1"/>
+              <p:nvPr/>
+            </p:nvSpPr>
+            <p:spPr>
+              <a:xfrm>
+                <a:off x="18820250" y="18707203"/>
+                <a:ext cx="1231669" cy="369332"/>
+              </a:xfrm>
+              <a:prstGeom prst="rect">
+                <a:avLst/>
+              </a:prstGeom>
+              <a:noFill/>
+            </p:spPr>
+            <p:txBody>
+              <a:bodyPr wrap="square" rtlCol="0">
+                <a:spAutoFit/>
+              </a:bodyPr>
+              <a:lstStyle/>
+              <a:p>
+                <a:pPr algn="ctr"/>
+                <a:r>
+                  <a:rPr lang="de-DE" b="1" dirty="0"/>
+                  <a:t>Masse</a:t>
+                </a:r>
+              </a:p>
+            </p:txBody>
+          </p:sp>
+          <p:pic>
+            <p:nvPicPr>
+              <p:cNvPr id="422" name="Grafik 421">
+                <a:extLst>
+                  <a:ext uri="{FF2B5EF4-FFF2-40B4-BE49-F238E27FC236}">
+                    <a16:creationId xmlns:a16="http://schemas.microsoft.com/office/drawing/2014/main" id="{E9B44131-5C98-4C82-A1B9-55EEE536C120}"/>
+                  </a:ext>
+                </a:extLst>
+              </p:cNvPr>
+              <p:cNvPicPr>
+                <a:picLocks noChangeAspect="1"/>
+              </p:cNvPicPr>
+              <p:nvPr/>
+            </p:nvPicPr>
+            <p:blipFill>
+              <a:blip r:embed="rId192"/>
+              <a:stretch>
+                <a:fillRect/>
+              </a:stretch>
+            </p:blipFill>
+            <p:spPr>
+              <a:xfrm>
+                <a:off x="1559020" y="19396552"/>
+                <a:ext cx="1389524" cy="1380342"/>
+              </a:xfrm>
+              <a:prstGeom prst="rect">
+                <a:avLst/>
+              </a:prstGeom>
+            </p:spPr>
+          </p:pic>
+          <p:sp>
+            <p:nvSpPr>
+              <p:cNvPr id="448" name="Textfeld 447">
+                <a:extLst>
+                  <a:ext uri="{FF2B5EF4-FFF2-40B4-BE49-F238E27FC236}">
+                    <a16:creationId xmlns:a16="http://schemas.microsoft.com/office/drawing/2014/main" id="{62A4429D-B8AA-4987-BF6C-951A72E55708}"/>
+                  </a:ext>
+                </a:extLst>
+              </p:cNvPr>
+              <p:cNvSpPr txBox="1"/>
+              <p:nvPr/>
+            </p:nvSpPr>
+            <p:spPr>
+              <a:xfrm>
+                <a:off x="1331705" y="18734665"/>
+                <a:ext cx="2018475" cy="369332"/>
+              </a:xfrm>
+              <a:prstGeom prst="rect">
+                <a:avLst/>
+              </a:prstGeom>
+              <a:noFill/>
+            </p:spPr>
+            <p:txBody>
+              <a:bodyPr wrap="square" rtlCol="0">
+                <a:spAutoFit/>
+              </a:bodyPr>
+              <a:lstStyle/>
+              <a:p>
+                <a:r>
+                  <a:rPr lang="de-DE" b="1" dirty="0"/>
+                  <a:t>Spannungsquelle</a:t>
+                </a:r>
+              </a:p>
+            </p:txBody>
+          </p:sp>
+          <p:grpSp>
+            <p:nvGrpSpPr>
+              <p:cNvPr id="17" name="Gruppieren 16">
+                <a:extLst>
+                  <a:ext uri="{FF2B5EF4-FFF2-40B4-BE49-F238E27FC236}">
+                    <a16:creationId xmlns:a16="http://schemas.microsoft.com/office/drawing/2014/main" id="{11D49907-9BEE-49B2-8EED-0572FE2E0B9F}"/>
+                  </a:ext>
+                </a:extLst>
+              </p:cNvPr>
+              <p:cNvGrpSpPr/>
+              <p:nvPr/>
+            </p:nvGrpSpPr>
+            <p:grpSpPr>
+              <a:xfrm>
+                <a:off x="3445286" y="19437020"/>
+                <a:ext cx="1620000" cy="518570"/>
+                <a:chOff x="2655854" y="19341595"/>
+                <a:chExt cx="2182210" cy="518570"/>
+              </a:xfrm>
+            </p:grpSpPr>
+            <p:sp>
+              <p:nvSpPr>
+                <p:cNvPr id="452" name="Textfeld 451">
+                  <a:extLst>
+                    <a:ext uri="{FF2B5EF4-FFF2-40B4-BE49-F238E27FC236}">
+                      <a16:creationId xmlns:a16="http://schemas.microsoft.com/office/drawing/2014/main" id="{98081FAE-A2DB-4381-8295-6D13E33B5640}"/>
+                    </a:ext>
+                  </a:extLst>
+                </p:cNvPr>
+                <p:cNvSpPr txBox="1"/>
+                <p:nvPr/>
+              </p:nvSpPr>
+              <p:spPr>
+                <a:xfrm>
+                  <a:off x="3318614" y="19341595"/>
+                  <a:ext cx="944361" cy="369332"/>
+                </a:xfrm>
+                <a:prstGeom prst="rect">
+                  <a:avLst/>
+                </a:prstGeom>
+                <a:noFill/>
+              </p:spPr>
+              <p:txBody>
+                <a:bodyPr wrap="square" rtlCol="0">
+                  <a:spAutoFit/>
+                </a:bodyPr>
+                <a:lstStyle/>
+                <a:p>
+                  <a:r>
+                    <a:rPr lang="de-DE" b="1" dirty="0" err="1">
+                      <a:latin typeface="Calibri" panose="020F0502020204030204" pitchFamily="34" charset="0"/>
+                      <a:ea typeface="Calibri" panose="020F0502020204030204" pitchFamily="34" charset="0"/>
+                      <a:cs typeface="Times New Roman" panose="02020603050405020304" pitchFamily="18" charset="0"/>
+                    </a:rPr>
+                    <a:t>U</a:t>
+                  </a:r>
+                  <a:r>
+                    <a:rPr lang="de-DE" b="1" baseline="-25000" dirty="0" err="1">
+                      <a:latin typeface="Calibri" panose="020F0502020204030204" pitchFamily="34" charset="0"/>
+                      <a:ea typeface="Calibri" panose="020F0502020204030204" pitchFamily="34" charset="0"/>
+                      <a:cs typeface="Times New Roman" panose="02020603050405020304" pitchFamily="18" charset="0"/>
+                    </a:rPr>
+                    <a:t>Const</a:t>
+                  </a:r>
+                  <a:endParaRPr lang="de-DE" b="1" dirty="0"/>
+                </a:p>
+              </p:txBody>
+            </p:sp>
+            <p:sp>
+              <p:nvSpPr>
+                <p:cNvPr id="451" name="Pfeil: nach rechts 450">
+                  <a:extLst>
+                    <a:ext uri="{FF2B5EF4-FFF2-40B4-BE49-F238E27FC236}">
+                      <a16:creationId xmlns:a16="http://schemas.microsoft.com/office/drawing/2014/main" id="{A111C064-54E6-4FFC-B1EA-65BD01373C06}"/>
+                    </a:ext>
+                  </a:extLst>
+                </p:cNvPr>
+                <p:cNvSpPr/>
+                <p:nvPr/>
+              </p:nvSpPr>
+              <p:spPr>
+                <a:xfrm>
+                  <a:off x="2655854" y="19735865"/>
+                  <a:ext cx="2182210" cy="124300"/>
+                </a:xfrm>
+                <a:prstGeom prst="rightArrow">
+                  <a:avLst/>
+                </a:prstGeom>
                 <a:solidFill>
                   <a:schemeClr val="bg1">
                     <a:lumMod val="50000"/>
                   </a:schemeClr>
                 </a:solidFill>
-              </a:ln>
+                <a:ln>
+                  <a:solidFill>
+                    <a:schemeClr val="bg1">
+                      <a:lumMod val="50000"/>
+                    </a:schemeClr>
+                  </a:solidFill>
+                </a:ln>
+              </p:spPr>
+              <p:style>
+                <a:lnRef idx="2">
+                  <a:schemeClr val="accent1">
+                    <a:shade val="50000"/>
+                  </a:schemeClr>
+                </a:lnRef>
+                <a:fillRef idx="1">
+                  <a:schemeClr val="accent1"/>
+                </a:fillRef>
+                <a:effectRef idx="0">
+                  <a:schemeClr val="accent1"/>
+                </a:effectRef>
+                <a:fontRef idx="minor">
+                  <a:schemeClr val="lt1"/>
+                </a:fontRef>
+              </p:style>
+              <p:txBody>
+                <a:bodyPr rtlCol="0" anchor="ctr"/>
+                <a:lstStyle/>
+                <a:p>
+                  <a:pPr algn="ctr"/>
+                  <a:endParaRPr lang="de-DE"/>
+                </a:p>
+              </p:txBody>
+            </p:sp>
+          </p:grpSp>
+          <p:grpSp>
+            <p:nvGrpSpPr>
+              <p:cNvPr id="18" name="Gruppieren 17">
+                <a:extLst>
+                  <a:ext uri="{FF2B5EF4-FFF2-40B4-BE49-F238E27FC236}">
+                    <a16:creationId xmlns:a16="http://schemas.microsoft.com/office/drawing/2014/main" id="{3843E0B3-E190-4A55-9027-34509EDA512C}"/>
+                  </a:ext>
+                </a:extLst>
+              </p:cNvPr>
+              <p:cNvGrpSpPr/>
+              <p:nvPr/>
+            </p:nvGrpSpPr>
+            <p:grpSpPr>
+              <a:xfrm>
+                <a:off x="12480651" y="19532795"/>
+                <a:ext cx="1620000" cy="1107857"/>
+                <a:chOff x="11249199" y="19395653"/>
+                <a:chExt cx="2259517" cy="1107857"/>
+              </a:xfrm>
+            </p:grpSpPr>
+            <p:sp>
+              <p:nvSpPr>
+                <p:cNvPr id="453" name="Textfeld 452">
+                  <a:extLst>
+                    <a:ext uri="{FF2B5EF4-FFF2-40B4-BE49-F238E27FC236}">
+                      <a16:creationId xmlns:a16="http://schemas.microsoft.com/office/drawing/2014/main" id="{D5B9C5F3-2EA6-4E3F-A17E-C7871CF301C8}"/>
+                    </a:ext>
+                  </a:extLst>
+                </p:cNvPr>
+                <p:cNvSpPr txBox="1"/>
+                <p:nvPr/>
+              </p:nvSpPr>
+              <p:spPr>
+                <a:xfrm>
+                  <a:off x="11326504" y="19395653"/>
+                  <a:ext cx="2104903" cy="369332"/>
+                </a:xfrm>
+                <a:prstGeom prst="rect">
+                  <a:avLst/>
+                </a:prstGeom>
+                <a:noFill/>
+              </p:spPr>
+              <p:txBody>
+                <a:bodyPr wrap="square" rtlCol="0">
+                  <a:spAutoFit/>
+                </a:bodyPr>
+                <a:lstStyle/>
+                <a:p>
+                  <a:pPr algn="ctr"/>
+                  <a:r>
+                    <a:rPr lang="de-DE" b="1" dirty="0"/>
+                    <a:t>s</a:t>
+                  </a:r>
+                </a:p>
+              </p:txBody>
+            </p:sp>
+            <p:sp>
+              <p:nvSpPr>
+                <p:cNvPr id="455" name="Textfeld 454">
+                  <a:extLst>
+                    <a:ext uri="{FF2B5EF4-FFF2-40B4-BE49-F238E27FC236}">
+                      <a16:creationId xmlns:a16="http://schemas.microsoft.com/office/drawing/2014/main" id="{5CDE81E0-0E23-4697-9FF2-43D5AC10995F}"/>
+                    </a:ext>
+                  </a:extLst>
+                </p:cNvPr>
+                <p:cNvSpPr txBox="1"/>
+                <p:nvPr/>
+              </p:nvSpPr>
+              <p:spPr>
+                <a:xfrm>
+                  <a:off x="11326504" y="20134178"/>
+                  <a:ext cx="2104903" cy="369332"/>
+                </a:xfrm>
+                <a:prstGeom prst="rect">
+                  <a:avLst/>
+                </a:prstGeom>
+                <a:noFill/>
+              </p:spPr>
+              <p:txBody>
+                <a:bodyPr wrap="square" rtlCol="0">
+                  <a:spAutoFit/>
+                </a:bodyPr>
+                <a:lstStyle/>
+                <a:p>
+                  <a:pPr algn="ctr"/>
+                  <a:r>
+                    <a:rPr lang="de-DE" b="1" dirty="0" err="1">
+                      <a:latin typeface="Calibri" panose="020F0502020204030204" pitchFamily="34" charset="0"/>
+                      <a:ea typeface="Calibri" panose="020F0502020204030204" pitchFamily="34" charset="0"/>
+                      <a:cs typeface="Times New Roman" panose="02020603050405020304" pitchFamily="18" charset="0"/>
+                    </a:rPr>
+                    <a:t>F</a:t>
+                  </a:r>
+                  <a:r>
+                    <a:rPr lang="de-DE" b="1" baseline="-25000" dirty="0" err="1">
+                      <a:latin typeface="Calibri" panose="020F0502020204030204" pitchFamily="34" charset="0"/>
+                      <a:ea typeface="Calibri" panose="020F0502020204030204" pitchFamily="34" charset="0"/>
+                      <a:cs typeface="Times New Roman" panose="02020603050405020304" pitchFamily="18" charset="0"/>
+                    </a:rPr>
+                    <a:t>z</a:t>
+                  </a:r>
+                  <a:endParaRPr lang="de-DE" b="1" dirty="0"/>
+                </a:p>
+              </p:txBody>
+            </p:sp>
+            <p:grpSp>
+              <p:nvGrpSpPr>
+                <p:cNvPr id="4" name="Gruppieren 3">
+                  <a:extLst>
+                    <a:ext uri="{FF2B5EF4-FFF2-40B4-BE49-F238E27FC236}">
+                      <a16:creationId xmlns:a16="http://schemas.microsoft.com/office/drawing/2014/main" id="{6B7FE7CD-F928-441A-819D-145D4EDA623C}"/>
+                    </a:ext>
+                  </a:extLst>
+                </p:cNvPr>
+                <p:cNvGrpSpPr/>
+                <p:nvPr/>
+              </p:nvGrpSpPr>
+              <p:grpSpPr>
+                <a:xfrm>
+                  <a:off x="11249199" y="19737114"/>
+                  <a:ext cx="2259517" cy="398346"/>
+                  <a:chOff x="11381902" y="20764757"/>
+                  <a:chExt cx="2259517" cy="398346"/>
+                </a:xfrm>
+              </p:grpSpPr>
+              <p:sp>
+                <p:nvSpPr>
+                  <p:cNvPr id="161" name="Pfeil: nach rechts 160">
+                    <a:extLst>
+                      <a:ext uri="{FF2B5EF4-FFF2-40B4-BE49-F238E27FC236}">
+                        <a16:creationId xmlns:a16="http://schemas.microsoft.com/office/drawing/2014/main" id="{66B32E8D-8097-40B9-8294-ED21204139EE}"/>
+                      </a:ext>
+                    </a:extLst>
+                  </p:cNvPr>
+                  <p:cNvSpPr/>
+                  <p:nvPr/>
+                </p:nvSpPr>
+                <p:spPr>
+                  <a:xfrm>
+                    <a:off x="11459209" y="20764757"/>
+                    <a:ext cx="2182210" cy="124300"/>
+                  </a:xfrm>
+                  <a:prstGeom prst="rightArrow">
+                    <a:avLst/>
+                  </a:prstGeom>
+                  <a:solidFill>
+                    <a:schemeClr val="bg1">
+                      <a:lumMod val="50000"/>
+                    </a:schemeClr>
+                  </a:solidFill>
+                  <a:ln>
+                    <a:solidFill>
+                      <a:schemeClr val="bg1">
+                        <a:lumMod val="50000"/>
+                      </a:schemeClr>
+                    </a:solidFill>
+                  </a:ln>
+                </p:spPr>
+                <p:style>
+                  <a:lnRef idx="2">
+                    <a:schemeClr val="accent1">
+                      <a:shade val="50000"/>
+                    </a:schemeClr>
+                  </a:lnRef>
+                  <a:fillRef idx="1">
+                    <a:schemeClr val="accent1"/>
+                  </a:fillRef>
+                  <a:effectRef idx="0">
+                    <a:schemeClr val="accent1"/>
+                  </a:effectRef>
+                  <a:fontRef idx="minor">
+                    <a:schemeClr val="lt1"/>
+                  </a:fontRef>
+                </p:style>
+                <p:txBody>
+                  <a:bodyPr rtlCol="0" anchor="ctr"/>
+                  <a:lstStyle/>
+                  <a:p>
+                    <a:pPr algn="ctr"/>
+                    <a:endParaRPr lang="de-DE"/>
+                  </a:p>
+                </p:txBody>
+              </p:sp>
+              <p:sp>
+                <p:nvSpPr>
+                  <p:cNvPr id="167" name="Pfeil: nach rechts 166">
+                    <a:extLst>
+                      <a:ext uri="{FF2B5EF4-FFF2-40B4-BE49-F238E27FC236}">
+                        <a16:creationId xmlns:a16="http://schemas.microsoft.com/office/drawing/2014/main" id="{02451650-CD9C-44FD-BB47-A78639BB1699}"/>
+                      </a:ext>
+                    </a:extLst>
+                  </p:cNvPr>
+                  <p:cNvSpPr/>
+                  <p:nvPr/>
+                </p:nvSpPr>
+                <p:spPr>
+                  <a:xfrm rot="10800000">
+                    <a:off x="11381902" y="21038803"/>
+                    <a:ext cx="2182210" cy="124300"/>
+                  </a:xfrm>
+                  <a:prstGeom prst="rightArrow">
+                    <a:avLst/>
+                  </a:prstGeom>
+                  <a:solidFill>
+                    <a:schemeClr val="bg1">
+                      <a:lumMod val="50000"/>
+                    </a:schemeClr>
+                  </a:solidFill>
+                  <a:ln>
+                    <a:solidFill>
+                      <a:schemeClr val="bg1">
+                        <a:lumMod val="50000"/>
+                      </a:schemeClr>
+                    </a:solidFill>
+                  </a:ln>
+                </p:spPr>
+                <p:style>
+                  <a:lnRef idx="2">
+                    <a:schemeClr val="accent1">
+                      <a:shade val="50000"/>
+                    </a:schemeClr>
+                  </a:lnRef>
+                  <a:fillRef idx="1">
+                    <a:schemeClr val="accent1"/>
+                  </a:fillRef>
+                  <a:effectRef idx="0">
+                    <a:schemeClr val="accent1"/>
+                  </a:effectRef>
+                  <a:fontRef idx="minor">
+                    <a:schemeClr val="lt1"/>
+                  </a:fontRef>
+                </p:style>
+                <p:txBody>
+                  <a:bodyPr rtlCol="0" anchor="ctr"/>
+                  <a:lstStyle/>
+                  <a:p>
+                    <a:pPr algn="ctr"/>
+                    <a:endParaRPr lang="de-DE"/>
+                  </a:p>
+                </p:txBody>
+              </p:sp>
+            </p:grpSp>
+          </p:grpSp>
+          <p:grpSp>
+            <p:nvGrpSpPr>
+              <p:cNvPr id="19" name="Gruppieren 18">
+                <a:extLst>
+                  <a:ext uri="{FF2B5EF4-FFF2-40B4-BE49-F238E27FC236}">
+                    <a16:creationId xmlns:a16="http://schemas.microsoft.com/office/drawing/2014/main" id="{77F96BB1-03E0-4D49-ABA5-88543F2AF996}"/>
+                  </a:ext>
+                </a:extLst>
+              </p:cNvPr>
+              <p:cNvGrpSpPr/>
+              <p:nvPr/>
+            </p:nvGrpSpPr>
+            <p:grpSpPr>
+              <a:xfrm>
+                <a:off x="16703506" y="19536301"/>
+                <a:ext cx="1620000" cy="1100845"/>
+                <a:chOff x="15654411" y="19384377"/>
+                <a:chExt cx="2259517" cy="1100845"/>
+              </a:xfrm>
+            </p:grpSpPr>
+            <p:sp>
+              <p:nvSpPr>
+                <p:cNvPr id="454" name="Textfeld 453">
+                  <a:extLst>
+                    <a:ext uri="{FF2B5EF4-FFF2-40B4-BE49-F238E27FC236}">
+                      <a16:creationId xmlns:a16="http://schemas.microsoft.com/office/drawing/2014/main" id="{7E8E9D2B-29B6-46A0-86DD-D359D0DB44AC}"/>
+                    </a:ext>
+                  </a:extLst>
+                </p:cNvPr>
+                <p:cNvSpPr txBox="1"/>
+                <p:nvPr/>
+              </p:nvSpPr>
+              <p:spPr>
+                <a:xfrm>
+                  <a:off x="15731718" y="19384377"/>
+                  <a:ext cx="2104903" cy="369332"/>
+                </a:xfrm>
+                <a:prstGeom prst="rect">
+                  <a:avLst/>
+                </a:prstGeom>
+                <a:noFill/>
+              </p:spPr>
+              <p:txBody>
+                <a:bodyPr wrap="square" rtlCol="0">
+                  <a:spAutoFit/>
+                </a:bodyPr>
+                <a:lstStyle/>
+                <a:p>
+                  <a:pPr algn="ctr"/>
+                  <a:r>
+                    <a:rPr lang="de-DE" b="1" dirty="0"/>
+                    <a:t>s, n</a:t>
+                  </a:r>
+                </a:p>
+              </p:txBody>
+            </p:sp>
+            <p:grpSp>
+              <p:nvGrpSpPr>
+                <p:cNvPr id="170" name="Gruppieren 169">
+                  <a:extLst>
+                    <a:ext uri="{FF2B5EF4-FFF2-40B4-BE49-F238E27FC236}">
+                      <a16:creationId xmlns:a16="http://schemas.microsoft.com/office/drawing/2014/main" id="{EAF21AC3-BCDB-4642-BA34-06D0CD7AA257}"/>
+                    </a:ext>
+                  </a:extLst>
+                </p:cNvPr>
+                <p:cNvGrpSpPr/>
+                <p:nvPr/>
+              </p:nvGrpSpPr>
+              <p:grpSpPr>
+                <a:xfrm>
+                  <a:off x="15654411" y="19737114"/>
+                  <a:ext cx="2259517" cy="398346"/>
+                  <a:chOff x="11381902" y="20764757"/>
+                  <a:chExt cx="2259517" cy="398346"/>
+                </a:xfrm>
+              </p:grpSpPr>
+              <p:sp>
+                <p:nvSpPr>
+                  <p:cNvPr id="173" name="Pfeil: nach rechts 172">
+                    <a:extLst>
+                      <a:ext uri="{FF2B5EF4-FFF2-40B4-BE49-F238E27FC236}">
+                        <a16:creationId xmlns:a16="http://schemas.microsoft.com/office/drawing/2014/main" id="{E66C795A-96CF-46D6-B7E8-3E6B51AC881A}"/>
+                      </a:ext>
+                    </a:extLst>
+                  </p:cNvPr>
+                  <p:cNvSpPr/>
+                  <p:nvPr/>
+                </p:nvSpPr>
+                <p:spPr>
+                  <a:xfrm>
+                    <a:off x="11459209" y="20764757"/>
+                    <a:ext cx="2182210" cy="124300"/>
+                  </a:xfrm>
+                  <a:prstGeom prst="rightArrow">
+                    <a:avLst/>
+                  </a:prstGeom>
+                  <a:solidFill>
+                    <a:schemeClr val="bg1">
+                      <a:lumMod val="50000"/>
+                    </a:schemeClr>
+                  </a:solidFill>
+                  <a:ln>
+                    <a:solidFill>
+                      <a:schemeClr val="bg1">
+                        <a:lumMod val="50000"/>
+                      </a:schemeClr>
+                    </a:solidFill>
+                  </a:ln>
+                </p:spPr>
+                <p:style>
+                  <a:lnRef idx="2">
+                    <a:schemeClr val="accent1">
+                      <a:shade val="50000"/>
+                    </a:schemeClr>
+                  </a:lnRef>
+                  <a:fillRef idx="1">
+                    <a:schemeClr val="accent1"/>
+                  </a:fillRef>
+                  <a:effectRef idx="0">
+                    <a:schemeClr val="accent1"/>
+                  </a:effectRef>
+                  <a:fontRef idx="minor">
+                    <a:schemeClr val="lt1"/>
+                  </a:fontRef>
+                </p:style>
+                <p:txBody>
+                  <a:bodyPr rtlCol="0" anchor="ctr"/>
+                  <a:lstStyle/>
+                  <a:p>
+                    <a:pPr algn="ctr"/>
+                    <a:endParaRPr lang="de-DE"/>
+                  </a:p>
+                </p:txBody>
+              </p:sp>
+              <p:sp>
+                <p:nvSpPr>
+                  <p:cNvPr id="174" name="Pfeil: nach rechts 173">
+                    <a:extLst>
+                      <a:ext uri="{FF2B5EF4-FFF2-40B4-BE49-F238E27FC236}">
+                        <a16:creationId xmlns:a16="http://schemas.microsoft.com/office/drawing/2014/main" id="{2A0C2213-EE49-4466-AE17-D31F37540E53}"/>
+                      </a:ext>
+                    </a:extLst>
+                  </p:cNvPr>
+                  <p:cNvSpPr/>
+                  <p:nvPr/>
+                </p:nvSpPr>
+                <p:spPr>
+                  <a:xfrm rot="10800000">
+                    <a:off x="11381902" y="21038803"/>
+                    <a:ext cx="2182210" cy="124300"/>
+                  </a:xfrm>
+                  <a:prstGeom prst="rightArrow">
+                    <a:avLst/>
+                  </a:prstGeom>
+                  <a:solidFill>
+                    <a:schemeClr val="bg1">
+                      <a:lumMod val="50000"/>
+                    </a:schemeClr>
+                  </a:solidFill>
+                  <a:ln>
+                    <a:solidFill>
+                      <a:schemeClr val="bg1">
+                        <a:lumMod val="50000"/>
+                      </a:schemeClr>
+                    </a:solidFill>
+                  </a:ln>
+                </p:spPr>
+                <p:style>
+                  <a:lnRef idx="2">
+                    <a:schemeClr val="accent1">
+                      <a:shade val="50000"/>
+                    </a:schemeClr>
+                  </a:lnRef>
+                  <a:fillRef idx="1">
+                    <a:schemeClr val="accent1"/>
+                  </a:fillRef>
+                  <a:effectRef idx="0">
+                    <a:schemeClr val="accent1"/>
+                  </a:effectRef>
+                  <a:fontRef idx="minor">
+                    <a:schemeClr val="lt1"/>
+                  </a:fontRef>
+                </p:style>
+                <p:txBody>
+                  <a:bodyPr rtlCol="0" anchor="ctr"/>
+                  <a:lstStyle/>
+                  <a:p>
+                    <a:pPr algn="ctr"/>
+                    <a:endParaRPr lang="de-DE"/>
+                  </a:p>
+                </p:txBody>
+              </p:sp>
+            </p:grpSp>
+            <p:sp>
+              <p:nvSpPr>
+                <p:cNvPr id="179" name="Textfeld 178">
+                  <a:extLst>
+                    <a:ext uri="{FF2B5EF4-FFF2-40B4-BE49-F238E27FC236}">
+                      <a16:creationId xmlns:a16="http://schemas.microsoft.com/office/drawing/2014/main" id="{34AE8449-0F62-473C-BD4E-485A9D444D61}"/>
+                    </a:ext>
+                  </a:extLst>
+                </p:cNvPr>
+                <p:cNvSpPr txBox="1"/>
+                <p:nvPr/>
+              </p:nvSpPr>
+              <p:spPr>
+                <a:xfrm>
+                  <a:off x="15731718" y="20115890"/>
+                  <a:ext cx="2104903" cy="369332"/>
+                </a:xfrm>
+                <a:prstGeom prst="rect">
+                  <a:avLst/>
+                </a:prstGeom>
+                <a:noFill/>
+              </p:spPr>
+              <p:txBody>
+                <a:bodyPr wrap="square" rtlCol="0">
+                  <a:spAutoFit/>
+                </a:bodyPr>
+                <a:lstStyle/>
+                <a:p>
+                  <a:pPr algn="ctr"/>
+                  <a:r>
+                    <a:rPr lang="de-DE" b="1" dirty="0" err="1">
+                      <a:latin typeface="Calibri" panose="020F0502020204030204" pitchFamily="34" charset="0"/>
+                      <a:ea typeface="Calibri" panose="020F0502020204030204" pitchFamily="34" charset="0"/>
+                      <a:cs typeface="Times New Roman" panose="02020603050405020304" pitchFamily="18" charset="0"/>
+                    </a:rPr>
+                    <a:t>F</a:t>
+                  </a:r>
+                  <a:r>
+                    <a:rPr lang="de-DE" b="1" baseline="-25000" dirty="0" err="1">
+                      <a:latin typeface="Calibri" panose="020F0502020204030204" pitchFamily="34" charset="0"/>
+                      <a:ea typeface="Calibri" panose="020F0502020204030204" pitchFamily="34" charset="0"/>
+                      <a:cs typeface="Times New Roman" panose="02020603050405020304" pitchFamily="18" charset="0"/>
+                    </a:rPr>
+                    <a:t>z</a:t>
+                  </a:r>
+                  <a:endParaRPr lang="de-DE" b="1" dirty="0"/>
+                </a:p>
+              </p:txBody>
+            </p:sp>
+          </p:grpSp>
+          <p:pic>
+            <p:nvPicPr>
+              <p:cNvPr id="7" name="Grafik 6">
+                <a:extLst>
+                  <a:ext uri="{FF2B5EF4-FFF2-40B4-BE49-F238E27FC236}">
+                    <a16:creationId xmlns:a16="http://schemas.microsoft.com/office/drawing/2014/main" id="{23D37287-3824-4314-B701-A65FC2A05FF2}"/>
+                  </a:ext>
+                </a:extLst>
+              </p:cNvPr>
+              <p:cNvPicPr>
+                <a:picLocks noChangeAspect="1"/>
+              </p:cNvPicPr>
+              <p:nvPr/>
+            </p:nvPicPr>
+            <p:blipFill>
+              <a:blip r:embed="rId193" cstate="hqprint">
+                <a:extLst>
+                  <a:ext uri="{28A0092B-C50C-407E-A947-70E740481C1C}">
+                    <a14:useLocalDpi xmlns:a14="http://schemas.microsoft.com/office/drawing/2010/main" val="0"/>
+                  </a:ext>
+                </a:extLst>
+              </a:blip>
+              <a:stretch>
+                <a:fillRect/>
+              </a:stretch>
+            </p:blipFill>
+            <p:spPr>
+              <a:xfrm>
+                <a:off x="5562030" y="19397323"/>
+                <a:ext cx="2364736" cy="1378800"/>
+              </a:xfrm>
+              <a:prstGeom prst="rect">
+                <a:avLst/>
+              </a:prstGeom>
             </p:spPr>
-            <p:style>
-              <a:lnRef idx="2">
-                <a:schemeClr val="accent1">
-                  <a:shade val="50000"/>
-                </a:schemeClr>
-              </a:lnRef>
-              <a:fillRef idx="1">
-                <a:schemeClr val="accent1"/>
-              </a:fillRef>
-              <a:effectRef idx="0">
-                <a:schemeClr val="accent1"/>
-              </a:effectRef>
-              <a:fontRef idx="minor">
-                <a:schemeClr val="lt1"/>
-              </a:fontRef>
-            </p:style>
+          </p:pic>
+          <p:pic>
+            <p:nvPicPr>
+              <p:cNvPr id="15" name="Grafik 14">
+                <a:extLst>
+                  <a:ext uri="{FF2B5EF4-FFF2-40B4-BE49-F238E27FC236}">
+                    <a16:creationId xmlns:a16="http://schemas.microsoft.com/office/drawing/2014/main" id="{DFF74360-DACA-4EB8-9265-22B0FE69091E}"/>
+                  </a:ext>
+                </a:extLst>
+              </p:cNvPr>
+              <p:cNvPicPr>
+                <a:picLocks noChangeAspect="1"/>
+              </p:cNvPicPr>
+              <p:nvPr/>
+            </p:nvPicPr>
+            <p:blipFill>
+              <a:blip r:embed="rId194" cstate="hqprint">
+                <a:extLst>
+                  <a:ext uri="{28A0092B-C50C-407E-A947-70E740481C1C}">
+                    <a14:useLocalDpi xmlns:a14="http://schemas.microsoft.com/office/drawing/2010/main" val="0"/>
+                  </a:ext>
+                </a:extLst>
+              </a:blip>
+              <a:stretch>
+                <a:fillRect/>
+              </a:stretch>
+            </p:blipFill>
+            <p:spPr>
+              <a:xfrm>
+                <a:off x="10540252" y="19397323"/>
+                <a:ext cx="1443656" cy="1378800"/>
+              </a:xfrm>
+              <a:prstGeom prst="rect">
+                <a:avLst/>
+              </a:prstGeom>
+            </p:spPr>
+          </p:pic>
+          <p:grpSp>
+            <p:nvGrpSpPr>
+              <p:cNvPr id="186" name="Gruppieren 185">
+                <a:extLst>
+                  <a:ext uri="{FF2B5EF4-FFF2-40B4-BE49-F238E27FC236}">
+                    <a16:creationId xmlns:a16="http://schemas.microsoft.com/office/drawing/2014/main" id="{720352CA-5C7C-4687-88C2-6D167A5FCDE5}"/>
+                  </a:ext>
+                </a:extLst>
+              </p:cNvPr>
+              <p:cNvGrpSpPr/>
+              <p:nvPr/>
+            </p:nvGrpSpPr>
+            <p:grpSpPr>
+              <a:xfrm>
+                <a:off x="8423509" y="19532795"/>
+                <a:ext cx="1620000" cy="1107857"/>
+                <a:chOff x="11249199" y="19395653"/>
+                <a:chExt cx="2259517" cy="1107857"/>
+              </a:xfrm>
+            </p:grpSpPr>
+            <p:sp>
+              <p:nvSpPr>
+                <p:cNvPr id="196" name="Textfeld 195">
+                  <a:extLst>
+                    <a:ext uri="{FF2B5EF4-FFF2-40B4-BE49-F238E27FC236}">
+                      <a16:creationId xmlns:a16="http://schemas.microsoft.com/office/drawing/2014/main" id="{4398DE27-1BB2-40ED-854B-1D321C5D3F10}"/>
+                    </a:ext>
+                  </a:extLst>
+                </p:cNvPr>
+                <p:cNvSpPr txBox="1"/>
+                <p:nvPr/>
+              </p:nvSpPr>
+              <p:spPr>
+                <a:xfrm>
+                  <a:off x="11326504" y="19395653"/>
+                  <a:ext cx="2104903" cy="369332"/>
+                </a:xfrm>
+                <a:prstGeom prst="rect">
+                  <a:avLst/>
+                </a:prstGeom>
+                <a:noFill/>
+              </p:spPr>
+              <p:txBody>
+                <a:bodyPr wrap="square" rtlCol="0">
+                  <a:spAutoFit/>
+                </a:bodyPr>
+                <a:lstStyle/>
+                <a:p>
+                  <a:pPr algn="ctr"/>
+                  <a:r>
+                    <a:rPr lang="el-GR" b="1" dirty="0"/>
+                    <a:t>ω</a:t>
+                  </a:r>
+                  <a:endParaRPr lang="de-DE" b="1" dirty="0"/>
+                </a:p>
+              </p:txBody>
+            </p:sp>
+            <p:sp>
+              <p:nvSpPr>
+                <p:cNvPr id="215" name="Textfeld 214">
+                  <a:extLst>
+                    <a:ext uri="{FF2B5EF4-FFF2-40B4-BE49-F238E27FC236}">
+                      <a16:creationId xmlns:a16="http://schemas.microsoft.com/office/drawing/2014/main" id="{A41C1B78-0CE3-4A75-AC02-3F589B89892A}"/>
+                    </a:ext>
+                  </a:extLst>
+                </p:cNvPr>
+                <p:cNvSpPr txBox="1"/>
+                <p:nvPr/>
+              </p:nvSpPr>
+              <p:spPr>
+                <a:xfrm>
+                  <a:off x="11326504" y="20134178"/>
+                  <a:ext cx="2104903" cy="369332"/>
+                </a:xfrm>
+                <a:prstGeom prst="rect">
+                  <a:avLst/>
+                </a:prstGeom>
+                <a:noFill/>
+              </p:spPr>
+              <p:txBody>
+                <a:bodyPr wrap="square" rtlCol="0">
+                  <a:spAutoFit/>
+                </a:bodyPr>
+                <a:lstStyle/>
+                <a:p>
+                  <a:pPr algn="ctr"/>
+                  <a:r>
+                    <a:rPr lang="de-DE" b="1" dirty="0">
+                      <a:latin typeface="Calibri" panose="020F0502020204030204" pitchFamily="34" charset="0"/>
+                      <a:ea typeface="Calibri" panose="020F0502020204030204" pitchFamily="34" charset="0"/>
+                      <a:cs typeface="Times New Roman" panose="02020603050405020304" pitchFamily="18" charset="0"/>
+                    </a:rPr>
+                    <a:t>M</a:t>
+                  </a:r>
+                  <a:r>
+                    <a:rPr lang="de-DE" b="1" baseline="-25000" dirty="0">
+                      <a:latin typeface="Calibri" panose="020F0502020204030204" pitchFamily="34" charset="0"/>
+                      <a:ea typeface="Calibri" panose="020F0502020204030204" pitchFamily="34" charset="0"/>
+                      <a:cs typeface="Times New Roman" panose="02020603050405020304" pitchFamily="18" charset="0"/>
+                    </a:rPr>
+                    <a:t>L</a:t>
+                  </a:r>
+                  <a:endParaRPr lang="de-DE" b="1" dirty="0"/>
+                </a:p>
+              </p:txBody>
+            </p:sp>
+            <p:grpSp>
+              <p:nvGrpSpPr>
+                <p:cNvPr id="216" name="Gruppieren 215">
+                  <a:extLst>
+                    <a:ext uri="{FF2B5EF4-FFF2-40B4-BE49-F238E27FC236}">
+                      <a16:creationId xmlns:a16="http://schemas.microsoft.com/office/drawing/2014/main" id="{47D0045C-7AF9-4BBA-9C58-7BB496F2ACB8}"/>
+                    </a:ext>
+                  </a:extLst>
+                </p:cNvPr>
+                <p:cNvGrpSpPr/>
+                <p:nvPr/>
+              </p:nvGrpSpPr>
+              <p:grpSpPr>
+                <a:xfrm>
+                  <a:off x="11249199" y="19737114"/>
+                  <a:ext cx="2259517" cy="398346"/>
+                  <a:chOff x="11381902" y="20764757"/>
+                  <a:chExt cx="2259517" cy="398346"/>
+                </a:xfrm>
+              </p:grpSpPr>
+              <p:sp>
+                <p:nvSpPr>
+                  <p:cNvPr id="217" name="Pfeil: nach rechts 216">
+                    <a:extLst>
+                      <a:ext uri="{FF2B5EF4-FFF2-40B4-BE49-F238E27FC236}">
+                        <a16:creationId xmlns:a16="http://schemas.microsoft.com/office/drawing/2014/main" id="{F9F77423-9765-413D-A393-4A18A1A99A72}"/>
+                      </a:ext>
+                    </a:extLst>
+                  </p:cNvPr>
+                  <p:cNvSpPr/>
+                  <p:nvPr/>
+                </p:nvSpPr>
+                <p:spPr>
+                  <a:xfrm>
+                    <a:off x="11459209" y="20764757"/>
+                    <a:ext cx="2182210" cy="124300"/>
+                  </a:xfrm>
+                  <a:prstGeom prst="rightArrow">
+                    <a:avLst/>
+                  </a:prstGeom>
+                  <a:solidFill>
+                    <a:schemeClr val="bg1">
+                      <a:lumMod val="50000"/>
+                    </a:schemeClr>
+                  </a:solidFill>
+                  <a:ln>
+                    <a:solidFill>
+                      <a:schemeClr val="bg1">
+                        <a:lumMod val="50000"/>
+                      </a:schemeClr>
+                    </a:solidFill>
+                  </a:ln>
+                </p:spPr>
+                <p:style>
+                  <a:lnRef idx="2">
+                    <a:schemeClr val="accent1">
+                      <a:shade val="50000"/>
+                    </a:schemeClr>
+                  </a:lnRef>
+                  <a:fillRef idx="1">
+                    <a:schemeClr val="accent1"/>
+                  </a:fillRef>
+                  <a:effectRef idx="0">
+                    <a:schemeClr val="accent1"/>
+                  </a:effectRef>
+                  <a:fontRef idx="minor">
+                    <a:schemeClr val="lt1"/>
+                  </a:fontRef>
+                </p:style>
+                <p:txBody>
+                  <a:bodyPr rtlCol="0" anchor="ctr"/>
+                  <a:lstStyle/>
+                  <a:p>
+                    <a:pPr algn="ctr"/>
+                    <a:endParaRPr lang="de-DE"/>
+                  </a:p>
+                </p:txBody>
+              </p:sp>
+              <p:sp>
+                <p:nvSpPr>
+                  <p:cNvPr id="218" name="Pfeil: nach rechts 217">
+                    <a:extLst>
+                      <a:ext uri="{FF2B5EF4-FFF2-40B4-BE49-F238E27FC236}">
+                        <a16:creationId xmlns:a16="http://schemas.microsoft.com/office/drawing/2014/main" id="{FB3EBBC7-84D5-4154-A4F4-E4D08BD3F137}"/>
+                      </a:ext>
+                    </a:extLst>
+                  </p:cNvPr>
+                  <p:cNvSpPr/>
+                  <p:nvPr/>
+                </p:nvSpPr>
+                <p:spPr>
+                  <a:xfrm rot="10800000">
+                    <a:off x="11381902" y="21038803"/>
+                    <a:ext cx="2182210" cy="124300"/>
+                  </a:xfrm>
+                  <a:prstGeom prst="rightArrow">
+                    <a:avLst/>
+                  </a:prstGeom>
+                  <a:solidFill>
+                    <a:schemeClr val="bg1">
+                      <a:lumMod val="50000"/>
+                    </a:schemeClr>
+                  </a:solidFill>
+                  <a:ln>
+                    <a:solidFill>
+                      <a:schemeClr val="bg1">
+                        <a:lumMod val="50000"/>
+                      </a:schemeClr>
+                    </a:solidFill>
+                  </a:ln>
+                </p:spPr>
+                <p:style>
+                  <a:lnRef idx="2">
+                    <a:schemeClr val="accent1">
+                      <a:shade val="50000"/>
+                    </a:schemeClr>
+                  </a:lnRef>
+                  <a:fillRef idx="1">
+                    <a:schemeClr val="accent1"/>
+                  </a:fillRef>
+                  <a:effectRef idx="0">
+                    <a:schemeClr val="accent1"/>
+                  </a:effectRef>
+                  <a:fontRef idx="minor">
+                    <a:schemeClr val="lt1"/>
+                  </a:fontRef>
+                </p:style>
+                <p:txBody>
+                  <a:bodyPr rtlCol="0" anchor="ctr"/>
+                  <a:lstStyle/>
+                  <a:p>
+                    <a:pPr algn="ctr"/>
+                    <a:endParaRPr lang="de-DE"/>
+                  </a:p>
+                </p:txBody>
+              </p:sp>
+            </p:grpSp>
+          </p:grpSp>
+          <p:sp>
+            <p:nvSpPr>
+              <p:cNvPr id="222" name="Textfeld 221">
+                <a:extLst>
+                  <a:ext uri="{FF2B5EF4-FFF2-40B4-BE49-F238E27FC236}">
+                    <a16:creationId xmlns:a16="http://schemas.microsoft.com/office/drawing/2014/main" id="{4913AB67-E328-44EC-8F9C-D6B1EE007A66}"/>
+                  </a:ext>
+                </a:extLst>
+              </p:cNvPr>
+              <p:cNvSpPr txBox="1"/>
+              <p:nvPr/>
+            </p:nvSpPr>
+            <p:spPr>
+              <a:xfrm>
+                <a:off x="10540253" y="18707203"/>
+                <a:ext cx="1563174" cy="369332"/>
+              </a:xfrm>
+              <a:prstGeom prst="rect">
+                <a:avLst/>
+              </a:prstGeom>
+              <a:noFill/>
+            </p:spPr>
             <p:txBody>
-              <a:bodyPr rtlCol="0" anchor="ctr"/>
+              <a:bodyPr wrap="square" rtlCol="0">
+                <a:spAutoFit/>
+              </a:bodyPr>
               <a:lstStyle/>
               <a:p>
                 <a:pPr algn="ctr"/>
-                <a:endParaRPr lang="de-DE"/>
-              </a:p>
-            </p:txBody>
-          </p:sp>
-          <p:sp>
-            <p:nvSpPr>
-              <p:cNvPr id="167" name="Pfeil: nach rechts 166">
-                <a:extLst>
-                  <a:ext uri="{FF2B5EF4-FFF2-40B4-BE49-F238E27FC236}">
-                    <a16:creationId xmlns:a16="http://schemas.microsoft.com/office/drawing/2014/main" id="{02451650-CD9C-44FD-BB47-A78639BB1699}"/>
-                  </a:ext>
-                </a:extLst>
-              </p:cNvPr>
-              <p:cNvSpPr/>
-              <p:nvPr/>
-            </p:nvSpPr>
-            <p:spPr>
-              <a:xfrm rot="10800000">
-                <a:off x="11381902" y="21038803"/>
-                <a:ext cx="2182210" cy="124300"/>
-              </a:xfrm>
-              <a:prstGeom prst="rightArrow">
-                <a:avLst/>
-              </a:prstGeom>
-              <a:solidFill>
-                <a:schemeClr val="bg1">
-                  <a:lumMod val="50000"/>
-                </a:schemeClr>
-              </a:solidFill>
-              <a:ln>
-                <a:solidFill>
-                  <a:schemeClr val="bg1">
-                    <a:lumMod val="50000"/>
-                  </a:schemeClr>
-                </a:solidFill>
-              </a:ln>
-            </p:spPr>
-            <p:style>
-              <a:lnRef idx="2">
-                <a:schemeClr val="accent1">
-                  <a:shade val="50000"/>
-                </a:schemeClr>
-              </a:lnRef>
-              <a:fillRef idx="1">
-                <a:schemeClr val="accent1"/>
-              </a:fillRef>
-              <a:effectRef idx="0">
-                <a:schemeClr val="accent1"/>
-              </a:effectRef>
-              <a:fontRef idx="minor">
-                <a:schemeClr val="lt1"/>
-              </a:fontRef>
-            </p:style>
-            <p:txBody>
-              <a:bodyPr rtlCol="0" anchor="ctr"/>
-              <a:lstStyle/>
-              <a:p>
-                <a:pPr algn="ctr"/>
-                <a:endParaRPr lang="de-DE"/>
+                <a:r>
+                  <a:rPr lang="de-DE" b="1" dirty="0"/>
+                  <a:t>Seiltrommel</a:t>
+                </a:r>
               </a:p>
             </p:txBody>
           </p:sp>
         </p:grpSp>
       </p:grpSp>
-      <p:grpSp>
-        <p:nvGrpSpPr>
-          <p:cNvPr id="19" name="Gruppieren 18">
-            <a:extLst>
-              <a:ext uri="{FF2B5EF4-FFF2-40B4-BE49-F238E27FC236}">
-                <a16:creationId xmlns:a16="http://schemas.microsoft.com/office/drawing/2014/main" id="{77F96BB1-03E0-4D49-ABA5-88543F2AF996}"/>
-              </a:ext>
-            </a:extLst>
-          </p:cNvPr>
-          <p:cNvGrpSpPr/>
-          <p:nvPr/>
-        </p:nvGrpSpPr>
-        <p:grpSpPr>
-          <a:xfrm>
-            <a:off x="16703506" y="19536301"/>
-            <a:ext cx="1620000" cy="1100845"/>
-            <a:chOff x="15654411" y="19384377"/>
-            <a:chExt cx="2259517" cy="1100845"/>
-          </a:xfrm>
-        </p:grpSpPr>
-        <p:sp>
-          <p:nvSpPr>
-            <p:cNvPr id="454" name="Textfeld 453">
-              <a:extLst>
-                <a:ext uri="{FF2B5EF4-FFF2-40B4-BE49-F238E27FC236}">
-                  <a16:creationId xmlns:a16="http://schemas.microsoft.com/office/drawing/2014/main" id="{7E8E9D2B-29B6-46A0-86DD-D359D0DB44AC}"/>
-                </a:ext>
-              </a:extLst>
-            </p:cNvPr>
-            <p:cNvSpPr txBox="1"/>
-            <p:nvPr/>
-          </p:nvSpPr>
-          <p:spPr>
-            <a:xfrm>
-              <a:off x="15731718" y="19384377"/>
-              <a:ext cx="2104903" cy="369332"/>
-            </a:xfrm>
-            <a:prstGeom prst="rect">
-              <a:avLst/>
-            </a:prstGeom>
-            <a:noFill/>
-          </p:spPr>
-          <p:txBody>
-            <a:bodyPr wrap="square" rtlCol="0">
-              <a:spAutoFit/>
-            </a:bodyPr>
-            <a:lstStyle/>
-            <a:p>
-              <a:pPr algn="ctr"/>
-              <a:r>
-                <a:rPr lang="de-DE" b="1" dirty="0"/>
-                <a:t>s, n</a:t>
-              </a:r>
-            </a:p>
-          </p:txBody>
-        </p:sp>
-        <p:grpSp>
-          <p:nvGrpSpPr>
-            <p:cNvPr id="170" name="Gruppieren 169">
-              <a:extLst>
-                <a:ext uri="{FF2B5EF4-FFF2-40B4-BE49-F238E27FC236}">
-                  <a16:creationId xmlns:a16="http://schemas.microsoft.com/office/drawing/2014/main" id="{EAF21AC3-BCDB-4642-BA34-06D0CD7AA257}"/>
-                </a:ext>
-              </a:extLst>
-            </p:cNvPr>
-            <p:cNvGrpSpPr/>
-            <p:nvPr/>
-          </p:nvGrpSpPr>
-          <p:grpSpPr>
-            <a:xfrm>
-              <a:off x="15654411" y="19737114"/>
-              <a:ext cx="2259517" cy="398346"/>
-              <a:chOff x="11381902" y="20764757"/>
-              <a:chExt cx="2259517" cy="398346"/>
-            </a:xfrm>
-          </p:grpSpPr>
-          <p:sp>
-            <p:nvSpPr>
-              <p:cNvPr id="173" name="Pfeil: nach rechts 172">
-                <a:extLst>
-                  <a:ext uri="{FF2B5EF4-FFF2-40B4-BE49-F238E27FC236}">
-                    <a16:creationId xmlns:a16="http://schemas.microsoft.com/office/drawing/2014/main" id="{E66C795A-96CF-46D6-B7E8-3E6B51AC881A}"/>
-                  </a:ext>
-                </a:extLst>
-              </p:cNvPr>
-              <p:cNvSpPr/>
-              <p:nvPr/>
-            </p:nvSpPr>
-            <p:spPr>
-              <a:xfrm>
-                <a:off x="11459209" y="20764757"/>
-                <a:ext cx="2182210" cy="124300"/>
-              </a:xfrm>
-              <a:prstGeom prst="rightArrow">
-                <a:avLst/>
-              </a:prstGeom>
-              <a:solidFill>
-                <a:schemeClr val="bg1">
-                  <a:lumMod val="50000"/>
-                </a:schemeClr>
-              </a:solidFill>
-              <a:ln>
-                <a:solidFill>
-                  <a:schemeClr val="bg1">
-                    <a:lumMod val="50000"/>
-                  </a:schemeClr>
-                </a:solidFill>
-              </a:ln>
-            </p:spPr>
-            <p:style>
-              <a:lnRef idx="2">
-                <a:schemeClr val="accent1">
-                  <a:shade val="50000"/>
-                </a:schemeClr>
-              </a:lnRef>
-              <a:fillRef idx="1">
-                <a:schemeClr val="accent1"/>
-              </a:fillRef>
-              <a:effectRef idx="0">
-                <a:schemeClr val="accent1"/>
-              </a:effectRef>
-              <a:fontRef idx="minor">
-                <a:schemeClr val="lt1"/>
-              </a:fontRef>
-            </p:style>
-            <p:txBody>
-              <a:bodyPr rtlCol="0" anchor="ctr"/>
-              <a:lstStyle/>
-              <a:p>
-                <a:pPr algn="ctr"/>
-                <a:endParaRPr lang="de-DE"/>
-              </a:p>
-            </p:txBody>
-          </p:sp>
-          <p:sp>
-            <p:nvSpPr>
-              <p:cNvPr id="174" name="Pfeil: nach rechts 173">
-                <a:extLst>
-                  <a:ext uri="{FF2B5EF4-FFF2-40B4-BE49-F238E27FC236}">
-                    <a16:creationId xmlns:a16="http://schemas.microsoft.com/office/drawing/2014/main" id="{2A0C2213-EE49-4466-AE17-D31F37540E53}"/>
-                  </a:ext>
-                </a:extLst>
-              </p:cNvPr>
-              <p:cNvSpPr/>
-              <p:nvPr/>
-            </p:nvSpPr>
-            <p:spPr>
-              <a:xfrm rot="10800000">
-                <a:off x="11381902" y="21038803"/>
-                <a:ext cx="2182210" cy="124300"/>
-              </a:xfrm>
-              <a:prstGeom prst="rightArrow">
-                <a:avLst/>
-              </a:prstGeom>
-              <a:solidFill>
-                <a:schemeClr val="bg1">
-                  <a:lumMod val="50000"/>
-                </a:schemeClr>
-              </a:solidFill>
-              <a:ln>
-                <a:solidFill>
-                  <a:schemeClr val="bg1">
-                    <a:lumMod val="50000"/>
-                  </a:schemeClr>
-                </a:solidFill>
-              </a:ln>
-            </p:spPr>
-            <p:style>
-              <a:lnRef idx="2">
-                <a:schemeClr val="accent1">
-                  <a:shade val="50000"/>
-                </a:schemeClr>
-              </a:lnRef>
-              <a:fillRef idx="1">
-                <a:schemeClr val="accent1"/>
-              </a:fillRef>
-              <a:effectRef idx="0">
-                <a:schemeClr val="accent1"/>
-              </a:effectRef>
-              <a:fontRef idx="minor">
-                <a:schemeClr val="lt1"/>
-              </a:fontRef>
-            </p:style>
-            <p:txBody>
-              <a:bodyPr rtlCol="0" anchor="ctr"/>
-              <a:lstStyle/>
-              <a:p>
-                <a:pPr algn="ctr"/>
-                <a:endParaRPr lang="de-DE"/>
-              </a:p>
-            </p:txBody>
-          </p:sp>
-        </p:grpSp>
-        <p:sp>
-          <p:nvSpPr>
-            <p:cNvPr id="179" name="Textfeld 178">
-              <a:extLst>
-                <a:ext uri="{FF2B5EF4-FFF2-40B4-BE49-F238E27FC236}">
-                  <a16:creationId xmlns:a16="http://schemas.microsoft.com/office/drawing/2014/main" id="{34AE8449-0F62-473C-BD4E-485A9D444D61}"/>
-                </a:ext>
-              </a:extLst>
-            </p:cNvPr>
-            <p:cNvSpPr txBox="1"/>
-            <p:nvPr/>
-          </p:nvSpPr>
-          <p:spPr>
-            <a:xfrm>
-              <a:off x="15731718" y="20115890"/>
-              <a:ext cx="2104903" cy="369332"/>
-            </a:xfrm>
-            <a:prstGeom prst="rect">
-              <a:avLst/>
-            </a:prstGeom>
-            <a:noFill/>
-          </p:spPr>
-          <p:txBody>
-            <a:bodyPr wrap="square" rtlCol="0">
-              <a:spAutoFit/>
-            </a:bodyPr>
-            <a:lstStyle/>
-            <a:p>
-              <a:pPr algn="ctr"/>
-              <a:r>
-                <a:rPr lang="de-DE" b="1" dirty="0" err="1">
-                  <a:latin typeface="Calibri" panose="020F0502020204030204" pitchFamily="34" charset="0"/>
-                  <a:ea typeface="Calibri" panose="020F0502020204030204" pitchFamily="34" charset="0"/>
-                  <a:cs typeface="Times New Roman" panose="02020603050405020304" pitchFamily="18" charset="0"/>
-                </a:rPr>
-                <a:t>F</a:t>
-              </a:r>
-              <a:r>
-                <a:rPr lang="de-DE" b="1" baseline="-25000" dirty="0" err="1">
-                  <a:latin typeface="Calibri" panose="020F0502020204030204" pitchFamily="34" charset="0"/>
-                  <a:ea typeface="Calibri" panose="020F0502020204030204" pitchFamily="34" charset="0"/>
-                  <a:cs typeface="Times New Roman" panose="02020603050405020304" pitchFamily="18" charset="0"/>
-                </a:rPr>
-                <a:t>z</a:t>
-              </a:r>
-              <a:endParaRPr lang="de-DE" b="1" dirty="0"/>
-            </a:p>
-          </p:txBody>
-        </p:sp>
-      </p:grpSp>
-      <p:pic>
-        <p:nvPicPr>
-          <p:cNvPr id="7" name="Grafik 6">
-            <a:extLst>
-              <a:ext uri="{FF2B5EF4-FFF2-40B4-BE49-F238E27FC236}">
-                <a16:creationId xmlns:a16="http://schemas.microsoft.com/office/drawing/2014/main" id="{23D37287-3824-4314-B701-A65FC2A05FF2}"/>
-              </a:ext>
-            </a:extLst>
-          </p:cNvPr>
-          <p:cNvPicPr>
-            <a:picLocks noChangeAspect="1"/>
-          </p:cNvPicPr>
-          <p:nvPr/>
-        </p:nvPicPr>
-        <p:blipFill>
-          <a:blip r:embed="rId193" cstate="hqprint">
-            <a:extLst>
-              <a:ext uri="{28A0092B-C50C-407E-A947-70E740481C1C}">
-                <a14:useLocalDpi xmlns:a14="http://schemas.microsoft.com/office/drawing/2010/main" val="0"/>
-              </a:ext>
-            </a:extLst>
-          </a:blip>
-          <a:stretch>
-            <a:fillRect/>
-          </a:stretch>
-        </p:blipFill>
-        <p:spPr>
-          <a:xfrm>
-            <a:off x="5562030" y="19397323"/>
-            <a:ext cx="2364736" cy="1378800"/>
-          </a:xfrm>
-          <a:prstGeom prst="rect">
-            <a:avLst/>
-          </a:prstGeom>
-        </p:spPr>
-      </p:pic>
-      <p:pic>
-        <p:nvPicPr>
-          <p:cNvPr id="15" name="Grafik 14">
-            <a:extLst>
-              <a:ext uri="{FF2B5EF4-FFF2-40B4-BE49-F238E27FC236}">
-                <a16:creationId xmlns:a16="http://schemas.microsoft.com/office/drawing/2014/main" id="{DFF74360-DACA-4EB8-9265-22B0FE69091E}"/>
-              </a:ext>
-            </a:extLst>
-          </p:cNvPr>
-          <p:cNvPicPr>
-            <a:picLocks noChangeAspect="1"/>
-          </p:cNvPicPr>
-          <p:nvPr/>
-        </p:nvPicPr>
-        <p:blipFill>
-          <a:blip r:embed="rId194" cstate="hqprint">
-            <a:extLst>
-              <a:ext uri="{28A0092B-C50C-407E-A947-70E740481C1C}">
-                <a14:useLocalDpi xmlns:a14="http://schemas.microsoft.com/office/drawing/2010/main" val="0"/>
-              </a:ext>
-            </a:extLst>
-          </a:blip>
-          <a:stretch>
-            <a:fillRect/>
-          </a:stretch>
-        </p:blipFill>
-        <p:spPr>
-          <a:xfrm>
-            <a:off x="10540252" y="19397323"/>
-            <a:ext cx="1443656" cy="1378800"/>
-          </a:xfrm>
-          <a:prstGeom prst="rect">
-            <a:avLst/>
-          </a:prstGeom>
-        </p:spPr>
-      </p:pic>
-      <p:grpSp>
-        <p:nvGrpSpPr>
-          <p:cNvPr id="186" name="Gruppieren 185">
-            <a:extLst>
-              <a:ext uri="{FF2B5EF4-FFF2-40B4-BE49-F238E27FC236}">
-                <a16:creationId xmlns:a16="http://schemas.microsoft.com/office/drawing/2014/main" id="{720352CA-5C7C-4687-88C2-6D167A5FCDE5}"/>
-              </a:ext>
-            </a:extLst>
-          </p:cNvPr>
-          <p:cNvGrpSpPr/>
-          <p:nvPr/>
-        </p:nvGrpSpPr>
-        <p:grpSpPr>
-          <a:xfrm>
-            <a:off x="8423509" y="19532795"/>
-            <a:ext cx="1620000" cy="1107857"/>
-            <a:chOff x="11249199" y="19395653"/>
-            <a:chExt cx="2259517" cy="1107857"/>
-          </a:xfrm>
-        </p:grpSpPr>
-        <p:sp>
-          <p:nvSpPr>
-            <p:cNvPr id="196" name="Textfeld 195">
-              <a:extLst>
-                <a:ext uri="{FF2B5EF4-FFF2-40B4-BE49-F238E27FC236}">
-                  <a16:creationId xmlns:a16="http://schemas.microsoft.com/office/drawing/2014/main" id="{4398DE27-1BB2-40ED-854B-1D321C5D3F10}"/>
-                </a:ext>
-              </a:extLst>
-            </p:cNvPr>
-            <p:cNvSpPr txBox="1"/>
-            <p:nvPr/>
-          </p:nvSpPr>
-          <p:spPr>
-            <a:xfrm>
-              <a:off x="11326504" y="19395653"/>
-              <a:ext cx="2104903" cy="369332"/>
-            </a:xfrm>
-            <a:prstGeom prst="rect">
-              <a:avLst/>
-            </a:prstGeom>
-            <a:noFill/>
-          </p:spPr>
-          <p:txBody>
-            <a:bodyPr wrap="square" rtlCol="0">
-              <a:spAutoFit/>
-            </a:bodyPr>
-            <a:lstStyle/>
-            <a:p>
-              <a:pPr algn="ctr"/>
-              <a:r>
-                <a:rPr lang="el-GR" b="1" dirty="0"/>
-                <a:t>ω</a:t>
-              </a:r>
-              <a:endParaRPr lang="de-DE" b="1" dirty="0"/>
-            </a:p>
-          </p:txBody>
-        </p:sp>
-        <p:sp>
-          <p:nvSpPr>
-            <p:cNvPr id="215" name="Textfeld 214">
-              <a:extLst>
-                <a:ext uri="{FF2B5EF4-FFF2-40B4-BE49-F238E27FC236}">
-                  <a16:creationId xmlns:a16="http://schemas.microsoft.com/office/drawing/2014/main" id="{A41C1B78-0CE3-4A75-AC02-3F589B89892A}"/>
-                </a:ext>
-              </a:extLst>
-            </p:cNvPr>
-            <p:cNvSpPr txBox="1"/>
-            <p:nvPr/>
-          </p:nvSpPr>
-          <p:spPr>
-            <a:xfrm>
-              <a:off x="11326504" y="20134178"/>
-              <a:ext cx="2104903" cy="369332"/>
-            </a:xfrm>
-            <a:prstGeom prst="rect">
-              <a:avLst/>
-            </a:prstGeom>
-            <a:noFill/>
-          </p:spPr>
-          <p:txBody>
-            <a:bodyPr wrap="square" rtlCol="0">
-              <a:spAutoFit/>
-            </a:bodyPr>
-            <a:lstStyle/>
-            <a:p>
-              <a:pPr algn="ctr"/>
-              <a:r>
-                <a:rPr lang="de-DE" b="1" dirty="0">
-                  <a:latin typeface="Calibri" panose="020F0502020204030204" pitchFamily="34" charset="0"/>
-                  <a:ea typeface="Calibri" panose="020F0502020204030204" pitchFamily="34" charset="0"/>
-                  <a:cs typeface="Times New Roman" panose="02020603050405020304" pitchFamily="18" charset="0"/>
-                </a:rPr>
-                <a:t>M</a:t>
-              </a:r>
-              <a:r>
-                <a:rPr lang="de-DE" b="1" baseline="-25000" dirty="0">
-                  <a:latin typeface="Calibri" panose="020F0502020204030204" pitchFamily="34" charset="0"/>
-                  <a:ea typeface="Calibri" panose="020F0502020204030204" pitchFamily="34" charset="0"/>
-                  <a:cs typeface="Times New Roman" panose="02020603050405020304" pitchFamily="18" charset="0"/>
-                </a:rPr>
-                <a:t>L</a:t>
-              </a:r>
-              <a:endParaRPr lang="de-DE" b="1" dirty="0"/>
-            </a:p>
-          </p:txBody>
-        </p:sp>
-        <p:grpSp>
-          <p:nvGrpSpPr>
-            <p:cNvPr id="216" name="Gruppieren 215">
-              <a:extLst>
-                <a:ext uri="{FF2B5EF4-FFF2-40B4-BE49-F238E27FC236}">
-                  <a16:creationId xmlns:a16="http://schemas.microsoft.com/office/drawing/2014/main" id="{47D0045C-7AF9-4BBA-9C58-7BB496F2ACB8}"/>
-                </a:ext>
-              </a:extLst>
-            </p:cNvPr>
-            <p:cNvGrpSpPr/>
-            <p:nvPr/>
-          </p:nvGrpSpPr>
-          <p:grpSpPr>
-            <a:xfrm>
-              <a:off x="11249199" y="19737114"/>
-              <a:ext cx="2259517" cy="398346"/>
-              <a:chOff x="11381902" y="20764757"/>
-              <a:chExt cx="2259517" cy="398346"/>
-            </a:xfrm>
-          </p:grpSpPr>
-          <p:sp>
-            <p:nvSpPr>
-              <p:cNvPr id="217" name="Pfeil: nach rechts 216">
-                <a:extLst>
-                  <a:ext uri="{FF2B5EF4-FFF2-40B4-BE49-F238E27FC236}">
-                    <a16:creationId xmlns:a16="http://schemas.microsoft.com/office/drawing/2014/main" id="{F9F77423-9765-413D-A393-4A18A1A99A72}"/>
-                  </a:ext>
-                </a:extLst>
-              </p:cNvPr>
-              <p:cNvSpPr/>
-              <p:nvPr/>
-            </p:nvSpPr>
-            <p:spPr>
-              <a:xfrm>
-                <a:off x="11459209" y="20764757"/>
-                <a:ext cx="2182210" cy="124300"/>
-              </a:xfrm>
-              <a:prstGeom prst="rightArrow">
-                <a:avLst/>
-              </a:prstGeom>
-              <a:solidFill>
-                <a:schemeClr val="bg1">
-                  <a:lumMod val="50000"/>
-                </a:schemeClr>
-              </a:solidFill>
-              <a:ln>
-                <a:solidFill>
-                  <a:schemeClr val="bg1">
-                    <a:lumMod val="50000"/>
-                  </a:schemeClr>
-                </a:solidFill>
-              </a:ln>
-            </p:spPr>
-            <p:style>
-              <a:lnRef idx="2">
-                <a:schemeClr val="accent1">
-                  <a:shade val="50000"/>
-                </a:schemeClr>
-              </a:lnRef>
-              <a:fillRef idx="1">
-                <a:schemeClr val="accent1"/>
-              </a:fillRef>
-              <a:effectRef idx="0">
-                <a:schemeClr val="accent1"/>
-              </a:effectRef>
-              <a:fontRef idx="minor">
-                <a:schemeClr val="lt1"/>
-              </a:fontRef>
-            </p:style>
-            <p:txBody>
-              <a:bodyPr rtlCol="0" anchor="ctr"/>
-              <a:lstStyle/>
-              <a:p>
-                <a:pPr algn="ctr"/>
-                <a:endParaRPr lang="de-DE"/>
-              </a:p>
-            </p:txBody>
-          </p:sp>
-          <p:sp>
-            <p:nvSpPr>
-              <p:cNvPr id="218" name="Pfeil: nach rechts 217">
-                <a:extLst>
-                  <a:ext uri="{FF2B5EF4-FFF2-40B4-BE49-F238E27FC236}">
-                    <a16:creationId xmlns:a16="http://schemas.microsoft.com/office/drawing/2014/main" id="{FB3EBBC7-84D5-4154-A4F4-E4D08BD3F137}"/>
-                  </a:ext>
-                </a:extLst>
-              </p:cNvPr>
-              <p:cNvSpPr/>
-              <p:nvPr/>
-            </p:nvSpPr>
-            <p:spPr>
-              <a:xfrm rot="10800000">
-                <a:off x="11381902" y="21038803"/>
-                <a:ext cx="2182210" cy="124300"/>
-              </a:xfrm>
-              <a:prstGeom prst="rightArrow">
-                <a:avLst/>
-              </a:prstGeom>
-              <a:solidFill>
-                <a:schemeClr val="bg1">
-                  <a:lumMod val="50000"/>
-                </a:schemeClr>
-              </a:solidFill>
-              <a:ln>
-                <a:solidFill>
-                  <a:schemeClr val="bg1">
-                    <a:lumMod val="50000"/>
-                  </a:schemeClr>
-                </a:solidFill>
-              </a:ln>
-            </p:spPr>
-            <p:style>
-              <a:lnRef idx="2">
-                <a:schemeClr val="accent1">
-                  <a:shade val="50000"/>
-                </a:schemeClr>
-              </a:lnRef>
-              <a:fillRef idx="1">
-                <a:schemeClr val="accent1"/>
-              </a:fillRef>
-              <a:effectRef idx="0">
-                <a:schemeClr val="accent1"/>
-              </a:effectRef>
-              <a:fontRef idx="minor">
-                <a:schemeClr val="lt1"/>
-              </a:fontRef>
-            </p:style>
-            <p:txBody>
-              <a:bodyPr rtlCol="0" anchor="ctr"/>
-              <a:lstStyle/>
-              <a:p>
-                <a:pPr algn="ctr"/>
-                <a:endParaRPr lang="de-DE"/>
-              </a:p>
-            </p:txBody>
-          </p:sp>
-        </p:grpSp>
-      </p:grpSp>
-      <p:sp>
-        <p:nvSpPr>
-          <p:cNvPr id="222" name="Textfeld 221">
-            <a:extLst>
-              <a:ext uri="{FF2B5EF4-FFF2-40B4-BE49-F238E27FC236}">
-                <a16:creationId xmlns:a16="http://schemas.microsoft.com/office/drawing/2014/main" id="{4913AB67-E328-44EC-8F9C-D6B1EE007A66}"/>
-              </a:ext>
-            </a:extLst>
-          </p:cNvPr>
-          <p:cNvSpPr txBox="1"/>
-          <p:nvPr/>
-        </p:nvSpPr>
-        <p:spPr>
-          <a:xfrm>
-            <a:off x="10540253" y="18707203"/>
-            <a:ext cx="1563174" cy="369332"/>
-          </a:xfrm>
-          <a:prstGeom prst="rect">
-            <a:avLst/>
-          </a:prstGeom>
-          <a:noFill/>
-        </p:spPr>
-        <p:txBody>
-          <a:bodyPr wrap="square" rtlCol="0">
-            <a:spAutoFit/>
-          </a:bodyPr>
-          <a:lstStyle/>
-          <a:p>
-            <a:pPr algn="ctr"/>
-            <a:r>
-              <a:rPr lang="de-DE" b="1" dirty="0"/>
-              <a:t>Seiltrommel</a:t>
-            </a:r>
-          </a:p>
-        </p:txBody>
-      </p:sp>
       <p:pic>
         <p:nvPicPr>
           <p:cNvPr id="224" name="Grafik 223" descr="Ein Bild, das Zeichnung enthält.&#10;&#10;Automatisch generierte Beschreibung">
@@ -13941,13 +14065,13 @@
         </p:blipFill>
         <p:spPr>
           <a:xfrm>
-            <a:off x="733814" y="24948930"/>
+            <a:off x="733814" y="25082280"/>
             <a:ext cx="5926481" cy="4492315"/>
           </a:xfrm>
           <a:prstGeom prst="rect">
             <a:avLst/>
           </a:prstGeom>
-          <a:ln>
+          <a:ln w="28575">
             <a:solidFill>
               <a:schemeClr val="bg1">
                 <a:lumMod val="50000"/>
@@ -13984,13 +14108,13 @@
         </p:blipFill>
         <p:spPr>
           <a:xfrm>
-            <a:off x="8423508" y="24948508"/>
+            <a:off x="8423508" y="25081858"/>
             <a:ext cx="4989418" cy="4493158"/>
           </a:xfrm>
           <a:prstGeom prst="rect">
             <a:avLst/>
           </a:prstGeom>
-          <a:ln>
+          <a:ln w="28575">
             <a:solidFill>
               <a:schemeClr val="bg1">
                 <a:lumMod val="50000"/>
@@ -14117,13 +14241,13 @@
         </p:blipFill>
         <p:spPr>
           <a:xfrm>
-            <a:off x="15370877" y="24944328"/>
+            <a:off x="15370877" y="25077678"/>
             <a:ext cx="4170835" cy="4518750"/>
           </a:xfrm>
           <a:prstGeom prst="rect">
             <a:avLst/>
           </a:prstGeom>
-          <a:ln>
+          <a:ln w="28575">
             <a:solidFill>
               <a:schemeClr val="bg1">
                 <a:lumMod val="50000"/>
@@ -14229,8 +14353,8 @@
         </p:nvCxnSpPr>
         <p:spPr>
           <a:xfrm flipH="1">
-            <a:off x="13089490" y="7312000"/>
-            <a:ext cx="195288" cy="4167667"/>
+            <a:off x="11558194" y="7312000"/>
+            <a:ext cx="1726584" cy="5048228"/>
           </a:xfrm>
           <a:prstGeom prst="line">
             <a:avLst/>
@@ -14258,60 +14382,49 @@
       </p:cxnSp>
       <p:sp>
         <p:nvSpPr>
-          <p:cNvPr id="233" name="Textfeld 232">
-            <a:extLst>
-              <a:ext uri="{FF2B5EF4-FFF2-40B4-BE49-F238E27FC236}">
-                <a16:creationId xmlns:a16="http://schemas.microsoft.com/office/drawing/2014/main" id="{9A2F85DF-7818-4395-AD17-17BC8D8742C6}"/>
-              </a:ext>
-            </a:extLst>
-          </p:cNvPr>
-          <p:cNvSpPr txBox="1"/>
+          <p:cNvPr id="10" name="Rechteck 9"/>
+          <p:cNvSpPr/>
           <p:nvPr/>
         </p:nvSpPr>
         <p:spPr>
           <a:xfrm>
-            <a:off x="7907926" y="15866901"/>
-            <a:ext cx="5563482" cy="1505962"/>
+            <a:off x="9236869" y="10201276"/>
+            <a:ext cx="216694" cy="104775"/>
           </a:xfrm>
-          <a:prstGeom prst="snip2DiagRect">
+          <a:prstGeom prst="rect">
             <a:avLst/>
           </a:prstGeom>
           <a:solidFill>
-            <a:srgbClr val="FED54C"/>
+            <a:schemeClr val="bg1"/>
           </a:solidFill>
           <a:ln>
             <a:solidFill>
-              <a:schemeClr val="bg1">
-                <a:lumMod val="50000"/>
-              </a:schemeClr>
+              <a:schemeClr val="bg1"/>
             </a:solidFill>
           </a:ln>
         </p:spPr>
+        <p:style>
+          <a:lnRef idx="2">
+            <a:schemeClr val="accent1">
+              <a:shade val="50000"/>
+            </a:schemeClr>
+          </a:lnRef>
+          <a:fillRef idx="1">
+            <a:schemeClr val="accent1"/>
+          </a:fillRef>
+          <a:effectRef idx="0">
+            <a:schemeClr val="accent1"/>
+          </a:effectRef>
+          <a:fontRef idx="minor">
+            <a:schemeClr val="lt1"/>
+          </a:fontRef>
+        </p:style>
         <p:txBody>
-          <a:bodyPr wrap="square" rtlCol="0">
-            <a:spAutoFit/>
-          </a:bodyPr>
+          <a:bodyPr rtlCol="0" anchor="ctr"/>
           <a:lstStyle/>
           <a:p>
-            <a:r>
-              <a:rPr lang="de-DE" sz="2400" b="1" dirty="0" err="1" smtClean="0"/>
-              <a:t>Scope</a:t>
-            </a:r>
-            <a:endParaRPr lang="de-DE" sz="2400" b="1" dirty="0" smtClean="0"/>
-          </a:p>
-          <a:p>
-            <a:endParaRPr lang="de-DE" sz="1600" b="1" dirty="0"/>
-          </a:p>
-          <a:p>
-            <a:pPr marL="457200" indent="-457200">
-              <a:buFont typeface="Arial" panose="020B0604020202020204" pitchFamily="34" charset="0"/>
-              <a:buChar char="•"/>
-            </a:pPr>
-            <a:r>
-              <a:rPr lang="de-DE" dirty="0" smtClean="0"/>
-              <a:t>Einfache Darstellung ausgewählter Signale in der Diagramm-Ansicht.     </a:t>
-            </a:r>
-            <a:endParaRPr lang="de-DE" dirty="0"/>
+            <a:pPr algn="ctr"/>
+            <a:endParaRPr lang="de-DE"/>
           </a:p>
         </p:txBody>
       </p:sp>
@@ -14329,8 +14442,8 @@
         </p:nvSpPr>
         <p:spPr>
           <a:xfrm>
-            <a:off x="12720852" y="9728071"/>
-            <a:ext cx="7932410" cy="3748786"/>
+            <a:off x="12713652" y="9889818"/>
+            <a:ext cx="8055044" cy="3748786"/>
           </a:xfrm>
           <a:prstGeom prst="snip2DiagRect">
             <a:avLst/>
@@ -14340,7 +14453,7 @@
               <a:lumMod val="85000"/>
             </a:schemeClr>
           </a:solidFill>
-          <a:ln>
+          <a:ln w="28575">
             <a:solidFill>
               <a:schemeClr val="bg1">
                 <a:lumMod val="50000"/>
@@ -14405,7 +14518,15 @@
                   <a:prstClr val="black"/>
                 </a:solidFill>
               </a:rPr>
-              <a:t>Flaschenzüge werden verwendet, um Lasten zu bewegen. </a:t>
+              <a:t>Flaschenzüge werden verwendet, um Lasten zu </a:t>
+            </a:r>
+            <a:r>
+              <a:rPr lang="de-DE" dirty="0" smtClean="0">
+                <a:solidFill>
+                  <a:prstClr val="black"/>
+                </a:solidFill>
+              </a:rPr>
+              <a:t>bewegen </a:t>
             </a:r>
             <a:endParaRPr lang="de-DE" dirty="0">
               <a:solidFill>
@@ -14424,22 +14545,64 @@
                   <a:prstClr val="black"/>
                 </a:solidFill>
               </a:rPr>
-              <a:t>Flaschenzüge besteh aus festen und losen Rollen, über die Seile gezogen sind.</a:t>
-            </a:r>
-          </a:p>
-          <a:p>
-            <a:pPr marL="571500" lvl="0" indent="-571500">
-              <a:buFont typeface="Arial" panose="020B0604020202020204" pitchFamily="34" charset="0"/>
-              <a:buChar char="•"/>
-            </a:pPr>
+              <a:t>Flaschenzüge </a:t>
+            </a:r>
             <a:r>
               <a:rPr lang="de-DE" dirty="0" smtClean="0">
                 <a:solidFill>
                   <a:prstClr val="black"/>
                 </a:solidFill>
               </a:rPr>
-              <a:t>Mit Hilfe von Flaschenzügen kann die aufzubringende Kraft, um die Last zu bewegen, reduziert werden.</a:t>
-            </a:r>
+              <a:t>bestehen </a:t>
+            </a:r>
+            <a:r>
+              <a:rPr lang="de-DE" dirty="0" smtClean="0">
+                <a:solidFill>
+                  <a:prstClr val="black"/>
+                </a:solidFill>
+              </a:rPr>
+              <a:t>aus festen und losen Rollen, über die Seile gezogen </a:t>
+            </a:r>
+            <a:r>
+              <a:rPr lang="de-DE" dirty="0" smtClean="0">
+                <a:solidFill>
+                  <a:prstClr val="black"/>
+                </a:solidFill>
+              </a:rPr>
+              <a:t>sind</a:t>
+            </a:r>
+            <a:endParaRPr lang="de-DE" dirty="0" smtClean="0">
+              <a:solidFill>
+                <a:prstClr val="black"/>
+              </a:solidFill>
+            </a:endParaRPr>
+          </a:p>
+          <a:p>
+            <a:pPr marL="571500" lvl="0" indent="-571500">
+              <a:buFont typeface="Arial" panose="020B0604020202020204" pitchFamily="34" charset="0"/>
+              <a:buChar char="•"/>
+            </a:pPr>
+            <a:r>
+              <a:rPr lang="de-DE" dirty="0" smtClean="0">
+                <a:solidFill>
+                  <a:prstClr val="black"/>
+                </a:solidFill>
+              </a:rPr>
+              <a:t>Mit Hilfe von Flaschenzügen kann die aufzubringende Kraft, um die Last zu bewegen, reduziert </a:t>
+            </a:r>
+            <a:r>
+              <a:rPr lang="de-DE" dirty="0" smtClean="0">
+                <a:solidFill>
+                  <a:prstClr val="black"/>
+                </a:solidFill>
+              </a:rPr>
+              <a:t>werden</a:t>
+            </a:r>
+            <a:endParaRPr lang="de-DE" dirty="0" smtClean="0">
+              <a:solidFill>
+                <a:prstClr val="black"/>
+              </a:solidFill>
+            </a:endParaRPr>
           </a:p>
           <a:p>
             <a:pPr marL="571500" lvl="0" indent="-571500">
@@ -14468,8 +14631,21 @@
                   <a:prstClr val="black"/>
                 </a:solidFill>
               </a:rPr>
-              <a:t> des Seils benötigt.</a:t>
-            </a:r>
+              <a:t> des Seils </a:t>
+            </a:r>
+            <a:r>
+              <a:rPr lang="de-DE" dirty="0" smtClean="0">
+                <a:solidFill>
+                  <a:prstClr val="black"/>
+                </a:solidFill>
+              </a:rPr>
+              <a:t>benötigt</a:t>
+            </a:r>
+            <a:endParaRPr lang="de-DE" dirty="0" smtClean="0">
+              <a:solidFill>
+                <a:prstClr val="black"/>
+              </a:solidFill>
+            </a:endParaRPr>
           </a:p>
           <a:p>
             <a:pPr lvl="0"/>
@@ -14496,13 +14672,434 @@
                   <a:prstClr val="black"/>
                 </a:solidFill>
               </a:rPr>
-              <a:t>Goldene Regel der Mechanik: „Was man an Kraft spart, muss man an  Weg zusetzen“. </a:t>
+              <a:t>Goldene Regel der Mechanik: „Was man an Kraft spart, muss man an  Weg zusetzen</a:t>
+            </a:r>
+            <a:r>
+              <a:rPr lang="de-DE" dirty="0" smtClean="0">
+                <a:solidFill>
+                  <a:prstClr val="black"/>
+                </a:solidFill>
+              </a:rPr>
+              <a:t>“</a:t>
             </a:r>
             <a:endParaRPr lang="de-DE" dirty="0">
               <a:solidFill>
                 <a:prstClr val="black"/>
               </a:solidFill>
             </a:endParaRPr>
+          </a:p>
+        </p:txBody>
+      </p:sp>
+      <p:sp>
+        <p:nvSpPr>
+          <p:cNvPr id="21" name="Rechteck 20"/>
+          <p:cNvSpPr/>
+          <p:nvPr/>
+        </p:nvSpPr>
+        <p:spPr>
+          <a:xfrm>
+            <a:off x="13219452" y="7715250"/>
+            <a:ext cx="161268" cy="485470"/>
+          </a:xfrm>
+          <a:prstGeom prst="rect">
+            <a:avLst/>
+          </a:prstGeom>
+          <a:solidFill>
+            <a:schemeClr val="bg1"/>
+          </a:solidFill>
+          <a:ln>
+            <a:solidFill>
+              <a:schemeClr val="bg1"/>
+            </a:solidFill>
+          </a:ln>
+        </p:spPr>
+        <p:style>
+          <a:lnRef idx="2">
+            <a:schemeClr val="accent1">
+              <a:shade val="50000"/>
+            </a:schemeClr>
+          </a:lnRef>
+          <a:fillRef idx="1">
+            <a:schemeClr val="accent1"/>
+          </a:fillRef>
+          <a:effectRef idx="0">
+            <a:schemeClr val="accent1"/>
+          </a:effectRef>
+          <a:fontRef idx="minor">
+            <a:schemeClr val="lt1"/>
+          </a:fontRef>
+        </p:style>
+        <p:txBody>
+          <a:bodyPr rtlCol="0" anchor="ctr"/>
+          <a:lstStyle/>
+          <a:p>
+            <a:pPr algn="ctr"/>
+            <a:endParaRPr lang="de-DE"/>
+          </a:p>
+        </p:txBody>
+      </p:sp>
+      <p:sp>
+        <p:nvSpPr>
+          <p:cNvPr id="22" name="Rechteck 21"/>
+          <p:cNvSpPr/>
+          <p:nvPr/>
+        </p:nvSpPr>
+        <p:spPr>
+          <a:xfrm>
+            <a:off x="13229599" y="7581855"/>
+            <a:ext cx="102450" cy="117475"/>
+          </a:xfrm>
+          <a:prstGeom prst="rect">
+            <a:avLst/>
+          </a:prstGeom>
+          <a:solidFill>
+            <a:srgbClr val="F1D93A"/>
+          </a:solidFill>
+          <a:ln>
+            <a:noFill/>
+          </a:ln>
+        </p:spPr>
+        <p:style>
+          <a:lnRef idx="2">
+            <a:schemeClr val="accent1">
+              <a:shade val="50000"/>
+            </a:schemeClr>
+          </a:lnRef>
+          <a:fillRef idx="1">
+            <a:schemeClr val="accent1"/>
+          </a:fillRef>
+          <a:effectRef idx="0">
+            <a:schemeClr val="accent1"/>
+          </a:effectRef>
+          <a:fontRef idx="minor">
+            <a:schemeClr val="lt1"/>
+          </a:fontRef>
+        </p:style>
+        <p:txBody>
+          <a:bodyPr rtlCol="0" anchor="ctr"/>
+          <a:lstStyle/>
+          <a:p>
+            <a:pPr algn="ctr"/>
+            <a:endParaRPr lang="de-DE"/>
+          </a:p>
+        </p:txBody>
+      </p:sp>
+      <p:sp>
+        <p:nvSpPr>
+          <p:cNvPr id="210" name="Textfeld 209">
+            <a:extLst>
+              <a:ext uri="{FF2B5EF4-FFF2-40B4-BE49-F238E27FC236}">
+                <a16:creationId xmlns:a16="http://schemas.microsoft.com/office/drawing/2014/main" id="{37669531-9CA4-4B7B-BAA8-DFEFBCC3973A}"/>
+              </a:ext>
+            </a:extLst>
+          </p:cNvPr>
+          <p:cNvSpPr txBox="1"/>
+          <p:nvPr/>
+        </p:nvSpPr>
+        <p:spPr>
+          <a:xfrm>
+            <a:off x="582744" y="8738669"/>
+            <a:ext cx="6984000" cy="3542400"/>
+          </a:xfrm>
+          <a:prstGeom prst="snip2DiagRect">
+            <a:avLst/>
+          </a:prstGeom>
+          <a:solidFill>
+            <a:schemeClr val="bg1">
+              <a:lumMod val="85000"/>
+            </a:schemeClr>
+          </a:solidFill>
+          <a:ln w="28575">
+            <a:solidFill>
+              <a:schemeClr val="bg1">
+                <a:lumMod val="50000"/>
+              </a:schemeClr>
+            </a:solidFill>
+          </a:ln>
+        </p:spPr>
+        <p:txBody>
+          <a:bodyPr wrap="square" rtlCol="0">
+            <a:spAutoFit/>
+          </a:bodyPr>
+          <a:lstStyle/>
+          <a:p>
+            <a:r>
+              <a:rPr lang="de-DE" sz="2400" b="1" dirty="0">
+                <a:solidFill>
+                  <a:prstClr val="black"/>
+                </a:solidFill>
+              </a:rPr>
+              <a:t>Getroffene Vereinfachungen für das Modell</a:t>
+            </a:r>
+            <a:endParaRPr lang="de-DE" sz="2400" b="1" dirty="0" smtClean="0"/>
+          </a:p>
+          <a:p>
+            <a:endParaRPr lang="de-DE" sz="1600" b="1" dirty="0" smtClean="0"/>
+          </a:p>
+          <a:p>
+            <a:pPr marL="457200" indent="-457200">
+              <a:buFont typeface="Arial" panose="020B0604020202020204" pitchFamily="34" charset="0"/>
+              <a:buChar char="•"/>
+            </a:pPr>
+            <a:r>
+              <a:rPr lang="de-DE" dirty="0" smtClean="0">
+                <a:solidFill>
+                  <a:prstClr val="black"/>
+                </a:solidFill>
+              </a:rPr>
+              <a:t>Kein </a:t>
+            </a:r>
+            <a:r>
+              <a:rPr lang="de-DE" dirty="0">
+                <a:solidFill>
+                  <a:prstClr val="black"/>
+                </a:solidFill>
+              </a:rPr>
+              <a:t>Spiel oder Schlupf im gesamten </a:t>
+            </a:r>
+            <a:r>
+              <a:rPr lang="de-DE" dirty="0" smtClean="0">
+                <a:solidFill>
+                  <a:prstClr val="black"/>
+                </a:solidFill>
+              </a:rPr>
+              <a:t>System</a:t>
+            </a:r>
+          </a:p>
+          <a:p>
+            <a:pPr marL="457200" indent="-457200">
+              <a:buFont typeface="Arial" panose="020B0604020202020204" pitchFamily="34" charset="0"/>
+              <a:buChar char="•"/>
+            </a:pPr>
+            <a:r>
+              <a:rPr lang="de-DE" dirty="0" smtClean="0">
+                <a:solidFill>
+                  <a:prstClr val="black"/>
+                </a:solidFill>
+              </a:rPr>
+              <a:t>Reibungsfreiheit </a:t>
+            </a:r>
+            <a:r>
+              <a:rPr lang="de-DE" dirty="0">
+                <a:solidFill>
+                  <a:prstClr val="black"/>
+                </a:solidFill>
+              </a:rPr>
+              <a:t>des </a:t>
+            </a:r>
+            <a:r>
+              <a:rPr lang="de-DE" dirty="0" smtClean="0">
+                <a:solidFill>
+                  <a:prstClr val="black"/>
+                </a:solidFill>
+              </a:rPr>
+              <a:t>Motors</a:t>
+            </a:r>
+          </a:p>
+          <a:p>
+            <a:pPr marL="457200" indent="-457200">
+              <a:buFont typeface="Arial" panose="020B0604020202020204" pitchFamily="34" charset="0"/>
+              <a:buChar char="•"/>
+            </a:pPr>
+            <a:r>
+              <a:rPr lang="de-DE" dirty="0" smtClean="0">
+                <a:solidFill>
+                  <a:prstClr val="black"/>
+                </a:solidFill>
+              </a:rPr>
+              <a:t>Das </a:t>
+            </a:r>
+            <a:r>
+              <a:rPr lang="de-DE" dirty="0">
+                <a:solidFill>
+                  <a:prstClr val="black"/>
+                </a:solidFill>
+              </a:rPr>
+              <a:t>Gewicht der Rollen wird </a:t>
+            </a:r>
+            <a:r>
+              <a:rPr lang="de-DE" dirty="0" smtClean="0">
+                <a:solidFill>
+                  <a:prstClr val="black"/>
+                </a:solidFill>
+              </a:rPr>
+              <a:t>vernachlässigt</a:t>
+            </a:r>
+          </a:p>
+          <a:p>
+            <a:pPr marL="457200" indent="-457200">
+              <a:buFont typeface="Arial" panose="020B0604020202020204" pitchFamily="34" charset="0"/>
+              <a:buChar char="•"/>
+            </a:pPr>
+            <a:r>
+              <a:rPr lang="de-DE" dirty="0" smtClean="0">
+                <a:solidFill>
+                  <a:prstClr val="black"/>
+                </a:solidFill>
+                <a:sym typeface="Wingdings" panose="05000000000000000000" pitchFamily="2" charset="2"/>
+              </a:rPr>
+              <a:t> </a:t>
+            </a:r>
+            <a:r>
+              <a:rPr lang="de-DE" dirty="0" smtClean="0">
+                <a:solidFill>
+                  <a:prstClr val="black"/>
+                </a:solidFill>
+              </a:rPr>
+              <a:t>Kein Massenträgheitsmoment</a:t>
+            </a:r>
+          </a:p>
+          <a:p>
+            <a:pPr marL="457200" indent="-457200">
+              <a:buFont typeface="Arial" panose="020B0604020202020204" pitchFamily="34" charset="0"/>
+              <a:buChar char="•"/>
+            </a:pPr>
+            <a:r>
+              <a:rPr lang="de-DE" dirty="0" smtClean="0">
+                <a:solidFill>
+                  <a:prstClr val="black"/>
+                </a:solidFill>
+              </a:rPr>
+              <a:t>Gewicht </a:t>
+            </a:r>
+            <a:r>
+              <a:rPr lang="de-DE" dirty="0">
+                <a:solidFill>
+                  <a:prstClr val="black"/>
+                </a:solidFill>
+              </a:rPr>
+              <a:t>und Durchmesser des Seils werden </a:t>
+            </a:r>
+            <a:r>
+              <a:rPr lang="de-DE" dirty="0" smtClean="0">
+                <a:solidFill>
+                  <a:prstClr val="black"/>
+                </a:solidFill>
+              </a:rPr>
+              <a:t>vernachlässigt</a:t>
+            </a:r>
+          </a:p>
+          <a:p>
+            <a:pPr marL="457200" indent="-457200">
+              <a:buFont typeface="Arial" panose="020B0604020202020204" pitchFamily="34" charset="0"/>
+              <a:buChar char="•"/>
+            </a:pPr>
+            <a:r>
+              <a:rPr lang="de-DE" dirty="0" smtClean="0">
+                <a:solidFill>
+                  <a:prstClr val="black"/>
+                </a:solidFill>
+              </a:rPr>
+              <a:t>Eine </a:t>
+            </a:r>
+            <a:r>
+              <a:rPr lang="de-DE" dirty="0">
+                <a:solidFill>
+                  <a:prstClr val="black"/>
+                </a:solidFill>
+              </a:rPr>
+              <a:t>Kollision mit der Decke oder auch dem Boden ist nicht </a:t>
+            </a:r>
+            <a:r>
+              <a:rPr lang="de-DE" dirty="0" smtClean="0">
+                <a:solidFill>
+                  <a:prstClr val="black"/>
+                </a:solidFill>
+              </a:rPr>
+              <a:t>möglich</a:t>
+            </a:r>
+          </a:p>
+          <a:p>
+            <a:pPr marL="457200" indent="-457200">
+              <a:buFont typeface="Arial" panose="020B0604020202020204" pitchFamily="34" charset="0"/>
+              <a:buChar char="•"/>
+            </a:pPr>
+            <a:r>
+              <a:rPr lang="de-DE" dirty="0" smtClean="0">
+                <a:solidFill>
+                  <a:prstClr val="black"/>
+                </a:solidFill>
+              </a:rPr>
+              <a:t>Das </a:t>
+            </a:r>
+            <a:r>
+              <a:rPr lang="de-DE" dirty="0">
+                <a:solidFill>
+                  <a:prstClr val="black"/>
+                </a:solidFill>
+              </a:rPr>
+              <a:t>Seil ist nicht elastisch und steht durchgehend unter Spannung</a:t>
+            </a:r>
+          </a:p>
+          <a:p>
+            <a:pPr marL="457200" indent="-457200">
+              <a:buFont typeface="Arial" panose="020B0604020202020204" pitchFamily="34" charset="0"/>
+              <a:buChar char="•"/>
+            </a:pPr>
+            <a:endParaRPr lang="de-DE" dirty="0"/>
+          </a:p>
+        </p:txBody>
+      </p:sp>
+      <p:sp>
+        <p:nvSpPr>
+          <p:cNvPr id="214" name="Textfeld 213">
+            <a:extLst>
+              <a:ext uri="{FF2B5EF4-FFF2-40B4-BE49-F238E27FC236}">
+                <a16:creationId xmlns:a16="http://schemas.microsoft.com/office/drawing/2014/main" id="{9A2F85DF-7818-4395-AD17-17BC8D8742C6}"/>
+              </a:ext>
+            </a:extLst>
+          </p:cNvPr>
+          <p:cNvSpPr txBox="1"/>
+          <p:nvPr/>
+        </p:nvSpPr>
+        <p:spPr>
+          <a:xfrm>
+            <a:off x="7796810" y="15866613"/>
+            <a:ext cx="5563482" cy="1505962"/>
+          </a:xfrm>
+          <a:prstGeom prst="snip2DiagRect">
+            <a:avLst/>
+          </a:prstGeom>
+          <a:solidFill>
+            <a:srgbClr val="FED54C"/>
+          </a:solidFill>
+          <a:ln w="28575">
+            <a:solidFill>
+              <a:schemeClr val="bg1">
+                <a:lumMod val="50000"/>
+              </a:schemeClr>
+            </a:solidFill>
+          </a:ln>
+        </p:spPr>
+        <p:txBody>
+          <a:bodyPr wrap="square" rtlCol="0">
+            <a:spAutoFit/>
+          </a:bodyPr>
+          <a:lstStyle/>
+          <a:p>
+            <a:r>
+              <a:rPr lang="de-DE" sz="2400" b="1" dirty="0" err="1" smtClean="0"/>
+              <a:t>Scope</a:t>
+            </a:r>
+            <a:endParaRPr lang="de-DE" sz="2400" b="1" dirty="0" smtClean="0"/>
+          </a:p>
+          <a:p>
+            <a:endParaRPr lang="de-DE" sz="1600" b="1" dirty="0"/>
+          </a:p>
+          <a:p>
+            <a:pPr marL="457200" indent="-457200">
+              <a:buFont typeface="Arial" panose="020B0604020202020204" pitchFamily="34" charset="0"/>
+              <a:buChar char="•"/>
+            </a:pPr>
+            <a:r>
+              <a:rPr lang="de-DE" dirty="0" smtClean="0"/>
+              <a:t>Einfache Darstellung ausgewählter Signale in der </a:t>
+            </a:r>
+            <a:r>
+              <a:rPr lang="de-DE" dirty="0" smtClean="0"/>
+              <a:t>Diagramm-Ansicht    </a:t>
+            </a:r>
+            <a:endParaRPr lang="de-DE" dirty="0"/>
           </a:p>
         </p:txBody>
       </p:sp>
